--- a/HW2/HW2_pwm_stepper_motor.pptx
+++ b/HW2/HW2_pwm_stepper_motor.pptx
@@ -116,24 +116,6 @@
     </a:lvl9pPr>
   </p:defaultTextStyle>
   <p:extLst>
-    <p:ext uri="{521415D9-36F7-43E2-AB2F-B90AF26B5E84}">
-      <p14:sectionLst xmlns:p14="http://schemas.microsoft.com/office/powerpoint/2010/main">
-        <p14:section name="首頁" id="{358C1436-8726-44E9-9674-06351113E5DF}">
-          <p14:sldIdLst>
-            <p14:sldId id="259"/>
-          </p14:sldIdLst>
-        </p14:section>
-        <p14:section name="HW1" id="{50C51D32-7315-4F19-9ABD-7D92A5292068}">
-          <p14:sldIdLst>
-            <p14:sldId id="261"/>
-            <p14:sldId id="266"/>
-            <p14:sldId id="268"/>
-            <p14:sldId id="269"/>
-            <p14:sldId id="270"/>
-          </p14:sldIdLst>
-        </p14:section>
-      </p14:sectionLst>
-    </p:ext>
     <p:ext uri="{EFAFB233-063F-42B5-8137-9DF3F51BA10A}">
       <p15:sldGuideLst xmlns:p15="http://schemas.microsoft.com/office/powerpoint/2012/main"/>
     </p:ext>
@@ -242,7 +224,7 @@
               <a:rPr lang="zh-TW" altLang="en-US" smtClean="0">
                 <a:ea typeface="標楷體" panose="03000509000000000000" pitchFamily="65" charset="-120"/>
               </a:rPr>
-              <a:t>2024/11/12</a:t>
+              <a:t>2025/1/8</a:t>
             </a:fld>
             <a:endParaRPr lang="zh-TW" altLang="en-US">
               <a:ea typeface="標楷體" panose="03000509000000000000" pitchFamily="65" charset="-120"/>
@@ -4534,7 +4516,7 @@
             <a:fld id="{2CB905C5-9D54-40E2-B40C-7996280CAB02}" type="datetimeFigureOut">
               <a:rPr lang="zh-TW" altLang="en-US" smtClean="0"/>
               <a:pPr/>
-              <a:t>2024/11/12</a:t>
+              <a:t>2025/1/8</a:t>
             </a:fld>
             <a:endParaRPr lang="zh-TW" altLang="en-US"/>
           </a:p>
@@ -5024,7 +5006,7 @@
           <a:p>
             <a:fld id="{0C0CC965-A63A-473D-BEFB-C8F9714D5269}" type="datetimeFigureOut">
               <a:rPr lang="zh-TW" altLang="en-US" smtClean="0"/>
-              <a:t>2024/11/12</a:t>
+              <a:t>2025/1/8</a:t>
             </a:fld>
             <a:endParaRPr lang="zh-TW" altLang="en-US"/>
           </a:p>
@@ -5192,7 +5174,7 @@
           <a:p>
             <a:fld id="{0C0CC965-A63A-473D-BEFB-C8F9714D5269}" type="datetimeFigureOut">
               <a:rPr lang="zh-TW" altLang="en-US" smtClean="0"/>
-              <a:t>2024/11/12</a:t>
+              <a:t>2025/1/8</a:t>
             </a:fld>
             <a:endParaRPr lang="zh-TW" altLang="en-US"/>
           </a:p>
@@ -5370,7 +5352,7 @@
           <a:p>
             <a:fld id="{0C0CC965-A63A-473D-BEFB-C8F9714D5269}" type="datetimeFigureOut">
               <a:rPr lang="zh-TW" altLang="en-US" smtClean="0"/>
-              <a:t>2024/11/12</a:t>
+              <a:t>2025/1/8</a:t>
             </a:fld>
             <a:endParaRPr lang="zh-TW" altLang="en-US"/>
           </a:p>
@@ -5565,7 +5547,7 @@
           <a:p>
             <a:fld id="{0C0CC965-A63A-473D-BEFB-C8F9714D5269}" type="datetimeFigureOut">
               <a:rPr lang="zh-TW" altLang="en-US" smtClean="0"/>
-              <a:t>2024/11/12</a:t>
+              <a:t>2025/1/8</a:t>
             </a:fld>
             <a:endParaRPr lang="zh-TW" altLang="en-US"/>
           </a:p>
@@ -5810,7 +5792,7 @@
           <a:p>
             <a:fld id="{0C0CC965-A63A-473D-BEFB-C8F9714D5269}" type="datetimeFigureOut">
               <a:rPr lang="zh-TW" altLang="en-US" smtClean="0"/>
-              <a:t>2024/11/12</a:t>
+              <a:t>2025/1/8</a:t>
             </a:fld>
             <a:endParaRPr lang="zh-TW" altLang="en-US"/>
           </a:p>
@@ -6039,7 +6021,7 @@
           <a:p>
             <a:fld id="{0C0CC965-A63A-473D-BEFB-C8F9714D5269}" type="datetimeFigureOut">
               <a:rPr lang="zh-TW" altLang="en-US" smtClean="0"/>
-              <a:t>2024/11/12</a:t>
+              <a:t>2025/1/8</a:t>
             </a:fld>
             <a:endParaRPr lang="zh-TW" altLang="en-US"/>
           </a:p>
@@ -6403,7 +6385,7 @@
           <a:p>
             <a:fld id="{0C0CC965-A63A-473D-BEFB-C8F9714D5269}" type="datetimeFigureOut">
               <a:rPr lang="zh-TW" altLang="en-US" smtClean="0"/>
-              <a:t>2024/11/12</a:t>
+              <a:t>2025/1/8</a:t>
             </a:fld>
             <a:endParaRPr lang="zh-TW" altLang="en-US"/>
           </a:p>
@@ -6520,7 +6502,7 @@
           <a:p>
             <a:fld id="{0C0CC965-A63A-473D-BEFB-C8F9714D5269}" type="datetimeFigureOut">
               <a:rPr lang="zh-TW" altLang="en-US" smtClean="0"/>
-              <a:t>2024/11/12</a:t>
+              <a:t>2025/1/8</a:t>
             </a:fld>
             <a:endParaRPr lang="zh-TW" altLang="en-US"/>
           </a:p>
@@ -6615,7 +6597,7 @@
           <a:p>
             <a:fld id="{0C0CC965-A63A-473D-BEFB-C8F9714D5269}" type="datetimeFigureOut">
               <a:rPr lang="zh-TW" altLang="en-US" smtClean="0"/>
-              <a:t>2024/11/12</a:t>
+              <a:t>2025/1/8</a:t>
             </a:fld>
             <a:endParaRPr lang="zh-TW" altLang="en-US"/>
           </a:p>
@@ -6890,7 +6872,7 @@
           <a:p>
             <a:fld id="{0C0CC965-A63A-473D-BEFB-C8F9714D5269}" type="datetimeFigureOut">
               <a:rPr lang="zh-TW" altLang="en-US" smtClean="0"/>
-              <a:t>2024/11/12</a:t>
+              <a:t>2025/1/8</a:t>
             </a:fld>
             <a:endParaRPr lang="zh-TW" altLang="en-US"/>
           </a:p>
@@ -7142,7 +7124,7 @@
           <a:p>
             <a:fld id="{0C0CC965-A63A-473D-BEFB-C8F9714D5269}" type="datetimeFigureOut">
               <a:rPr lang="zh-TW" altLang="en-US" smtClean="0"/>
-              <a:t>2024/11/12</a:t>
+              <a:t>2025/1/8</a:t>
             </a:fld>
             <a:endParaRPr lang="zh-TW" altLang="en-US"/>
           </a:p>
@@ -7356,7 +7338,7 @@
             <a:fld id="{0C0CC965-A63A-473D-BEFB-C8F9714D5269}" type="datetimeFigureOut">
               <a:rPr lang="zh-TW" altLang="en-US" smtClean="0"/>
               <a:pPr/>
-              <a:t>2024/11/12</a:t>
+              <a:t>2025/1/8</a:t>
             </a:fld>
             <a:endParaRPr lang="zh-TW" altLang="en-US"/>
           </a:p>
@@ -8149,8 +8131,12 @@
           <a:lstStyle/>
           <a:p>
             <a:r>
-              <a:rPr lang="en-US" altLang="zh-TW" dirty="0" err="1"/>
-              <a:t>Pwm_stepper_motor</a:t>
+              <a:rPr lang="en-US" altLang="zh-TW"/>
+              <a:t>Pwm</a:t>
+            </a:r>
+            <a:r>
+              <a:rPr lang="en-US" altLang="zh-TW" dirty="0"/>
+              <a:t>_stepper_motor</a:t>
             </a:r>
             <a:endParaRPr lang="zh-TW" altLang="en-US" dirty="0"/>
           </a:p>
@@ -11023,8 +11009,8 @@
           </a:p>
         </p:txBody>
       </p:sp>
-      <mc:AlternateContent xmlns:mc="http://schemas.openxmlformats.org/markup-compatibility/2006">
-        <mc:Choice xmlns:p14="http://schemas.microsoft.com/office/powerpoint/2010/main" Requires="p14">
+      <mc:AlternateContent xmlns:mc="http://schemas.openxmlformats.org/markup-compatibility/2006" xmlns:p14="http://schemas.microsoft.com/office/powerpoint/2010/main">
+        <mc:Choice Requires="p14">
           <p:contentPart p14:bwMode="auto" r:id="rId2">
             <p14:nvContentPartPr>
               <p14:cNvPr id="14" name="筆跡 13">
@@ -11043,7 +11029,7 @@
             </p14:xfrm>
           </p:contentPart>
         </mc:Choice>
-        <mc:Fallback>
+        <mc:Fallback xmlns="">
           <p:pic>
             <p:nvPicPr>
               <p:cNvPr id="14" name="筆跡 13">
@@ -11094,8 +11080,8 @@
             <a:chExt cx="548280" cy="286920"/>
           </a:xfrm>
         </p:grpSpPr>
-        <mc:AlternateContent xmlns:mc="http://schemas.openxmlformats.org/markup-compatibility/2006">
-          <mc:Choice xmlns:p14="http://schemas.microsoft.com/office/powerpoint/2010/main" Requires="p14">
+        <mc:AlternateContent xmlns:mc="http://schemas.openxmlformats.org/markup-compatibility/2006" xmlns:p14="http://schemas.microsoft.com/office/powerpoint/2010/main">
+          <mc:Choice Requires="p14">
             <p:contentPart p14:bwMode="auto" r:id="rId4">
               <p14:nvContentPartPr>
                 <p14:cNvPr id="17" name="筆跡 16">
@@ -11114,7 +11100,7 @@
               </p14:xfrm>
             </p:contentPart>
           </mc:Choice>
-          <mc:Fallback>
+          <mc:Fallback xmlns="">
             <p:pic>
               <p:nvPicPr>
                 <p:cNvPr id="17" name="筆跡 16">
@@ -11145,8 +11131,8 @@
             </p:pic>
           </mc:Fallback>
         </mc:AlternateContent>
-        <mc:AlternateContent xmlns:mc="http://schemas.openxmlformats.org/markup-compatibility/2006">
-          <mc:Choice xmlns:p14="http://schemas.microsoft.com/office/powerpoint/2010/main" Requires="p14">
+        <mc:AlternateContent xmlns:mc="http://schemas.openxmlformats.org/markup-compatibility/2006" xmlns:p14="http://schemas.microsoft.com/office/powerpoint/2010/main">
+          <mc:Choice Requires="p14">
             <p:contentPart p14:bwMode="auto" r:id="rId6">
               <p14:nvContentPartPr>
                 <p14:cNvPr id="18" name="筆跡 17">
@@ -11165,7 +11151,7 @@
               </p14:xfrm>
             </p:contentPart>
           </mc:Choice>
-          <mc:Fallback>
+          <mc:Fallback xmlns="">
             <p:pic>
               <p:nvPicPr>
                 <p:cNvPr id="18" name="筆跡 17">
@@ -11196,8 +11182,8 @@
             </p:pic>
           </mc:Fallback>
         </mc:AlternateContent>
-        <mc:AlternateContent xmlns:mc="http://schemas.openxmlformats.org/markup-compatibility/2006">
-          <mc:Choice xmlns:p14="http://schemas.microsoft.com/office/powerpoint/2010/main" Requires="p14">
+        <mc:AlternateContent xmlns:mc="http://schemas.openxmlformats.org/markup-compatibility/2006" xmlns:p14="http://schemas.microsoft.com/office/powerpoint/2010/main">
+          <mc:Choice Requires="p14">
             <p:contentPart p14:bwMode="auto" r:id="rId8">
               <p14:nvContentPartPr>
                 <p14:cNvPr id="20" name="筆跡 19">
@@ -11216,7 +11202,7 @@
               </p14:xfrm>
             </p:contentPart>
           </mc:Choice>
-          <mc:Fallback>
+          <mc:Fallback xmlns="">
             <p:pic>
               <p:nvPicPr>
                 <p:cNvPr id="20" name="筆跡 19">
@@ -11247,8 +11233,8 @@
             </p:pic>
           </mc:Fallback>
         </mc:AlternateContent>
-        <mc:AlternateContent xmlns:mc="http://schemas.openxmlformats.org/markup-compatibility/2006">
-          <mc:Choice xmlns:p14="http://schemas.microsoft.com/office/powerpoint/2010/main" Requires="p14">
+        <mc:AlternateContent xmlns:mc="http://schemas.openxmlformats.org/markup-compatibility/2006" xmlns:p14="http://schemas.microsoft.com/office/powerpoint/2010/main">
+          <mc:Choice Requires="p14">
             <p:contentPart p14:bwMode="auto" r:id="rId10">
               <p14:nvContentPartPr>
                 <p14:cNvPr id="21" name="筆跡 20">
@@ -11267,7 +11253,7 @@
               </p14:xfrm>
             </p:contentPart>
           </mc:Choice>
-          <mc:Fallback>
+          <mc:Fallback xmlns="">
             <p:pic>
               <p:nvPicPr>
                 <p:cNvPr id="21" name="筆跡 20">
@@ -11319,8 +11305,8 @@
             <a:chExt cx="1082160" cy="493560"/>
           </a:xfrm>
         </p:grpSpPr>
-        <mc:AlternateContent xmlns:mc="http://schemas.openxmlformats.org/markup-compatibility/2006">
-          <mc:Choice xmlns:p14="http://schemas.microsoft.com/office/powerpoint/2010/main" Requires="p14">
+        <mc:AlternateContent xmlns:mc="http://schemas.openxmlformats.org/markup-compatibility/2006" xmlns:p14="http://schemas.microsoft.com/office/powerpoint/2010/main">
+          <mc:Choice Requires="p14">
             <p:contentPart p14:bwMode="auto" r:id="rId12">
               <p14:nvContentPartPr>
                 <p14:cNvPr id="24" name="筆跡 23">
@@ -11339,7 +11325,7 @@
               </p14:xfrm>
             </p:contentPart>
           </mc:Choice>
-          <mc:Fallback>
+          <mc:Fallback xmlns="">
             <p:pic>
               <p:nvPicPr>
                 <p:cNvPr id="24" name="筆跡 23">
@@ -11370,8 +11356,8 @@
             </p:pic>
           </mc:Fallback>
         </mc:AlternateContent>
-        <mc:AlternateContent xmlns:mc="http://schemas.openxmlformats.org/markup-compatibility/2006">
-          <mc:Choice xmlns:p14="http://schemas.microsoft.com/office/powerpoint/2010/main" Requires="p14">
+        <mc:AlternateContent xmlns:mc="http://schemas.openxmlformats.org/markup-compatibility/2006" xmlns:p14="http://schemas.microsoft.com/office/powerpoint/2010/main">
+          <mc:Choice Requires="p14">
             <p:contentPart p14:bwMode="auto" r:id="rId14">
               <p14:nvContentPartPr>
                 <p14:cNvPr id="26" name="筆跡 25">
@@ -11390,7 +11376,7 @@
               </p14:xfrm>
             </p:contentPart>
           </mc:Choice>
-          <mc:Fallback>
+          <mc:Fallback xmlns="">
             <p:pic>
               <p:nvPicPr>
                 <p:cNvPr id="26" name="筆跡 25">
@@ -11421,8 +11407,8 @@
             </p:pic>
           </mc:Fallback>
         </mc:AlternateContent>
-        <mc:AlternateContent xmlns:mc="http://schemas.openxmlformats.org/markup-compatibility/2006">
-          <mc:Choice xmlns:p14="http://schemas.microsoft.com/office/powerpoint/2010/main" Requires="p14">
+        <mc:AlternateContent xmlns:mc="http://schemas.openxmlformats.org/markup-compatibility/2006" xmlns:p14="http://schemas.microsoft.com/office/powerpoint/2010/main">
+          <mc:Choice Requires="p14">
             <p:contentPart p14:bwMode="auto" r:id="rId16">
               <p14:nvContentPartPr>
                 <p14:cNvPr id="27" name="筆跡 26">
@@ -11441,7 +11427,7 @@
               </p14:xfrm>
             </p:contentPart>
           </mc:Choice>
-          <mc:Fallback>
+          <mc:Fallback xmlns="">
             <p:pic>
               <p:nvPicPr>
                 <p:cNvPr id="27" name="筆跡 26">
@@ -11472,8 +11458,8 @@
             </p:pic>
           </mc:Fallback>
         </mc:AlternateContent>
-        <mc:AlternateContent xmlns:mc="http://schemas.openxmlformats.org/markup-compatibility/2006">
-          <mc:Choice xmlns:p14="http://schemas.microsoft.com/office/powerpoint/2010/main" Requires="p14">
+        <mc:AlternateContent xmlns:mc="http://schemas.openxmlformats.org/markup-compatibility/2006" xmlns:p14="http://schemas.microsoft.com/office/powerpoint/2010/main">
+          <mc:Choice Requires="p14">
             <p:contentPart p14:bwMode="auto" r:id="rId18">
               <p14:nvContentPartPr>
                 <p14:cNvPr id="28" name="筆跡 27">
@@ -11492,7 +11478,7 @@
               </p14:xfrm>
             </p:contentPart>
           </mc:Choice>
-          <mc:Fallback>
+          <mc:Fallback xmlns="">
             <p:pic>
               <p:nvPicPr>
                 <p:cNvPr id="28" name="筆跡 27">
@@ -11523,8 +11509,8 @@
             </p:pic>
           </mc:Fallback>
         </mc:AlternateContent>
-        <mc:AlternateContent xmlns:mc="http://schemas.openxmlformats.org/markup-compatibility/2006">
-          <mc:Choice xmlns:p14="http://schemas.microsoft.com/office/powerpoint/2010/main" Requires="p14">
+        <mc:AlternateContent xmlns:mc="http://schemas.openxmlformats.org/markup-compatibility/2006" xmlns:p14="http://schemas.microsoft.com/office/powerpoint/2010/main">
+          <mc:Choice Requires="p14">
             <p:contentPart p14:bwMode="auto" r:id="rId20">
               <p14:nvContentPartPr>
                 <p14:cNvPr id="32" name="筆跡 31">
@@ -11543,7 +11529,7 @@
               </p14:xfrm>
             </p:contentPart>
           </mc:Choice>
-          <mc:Fallback>
+          <mc:Fallback xmlns="">
             <p:pic>
               <p:nvPicPr>
                 <p:cNvPr id="32" name="筆跡 31">
@@ -11574,8 +11560,8 @@
             </p:pic>
           </mc:Fallback>
         </mc:AlternateContent>
-        <mc:AlternateContent xmlns:mc="http://schemas.openxmlformats.org/markup-compatibility/2006">
-          <mc:Choice xmlns:p14="http://schemas.microsoft.com/office/powerpoint/2010/main" Requires="p14">
+        <mc:AlternateContent xmlns:mc="http://schemas.openxmlformats.org/markup-compatibility/2006" xmlns:p14="http://schemas.microsoft.com/office/powerpoint/2010/main">
+          <mc:Choice Requires="p14">
             <p:contentPart p14:bwMode="auto" r:id="rId22">
               <p14:nvContentPartPr>
                 <p14:cNvPr id="33" name="筆跡 32">
@@ -11594,7 +11580,7 @@
               </p14:xfrm>
             </p:contentPart>
           </mc:Choice>
-          <mc:Fallback>
+          <mc:Fallback xmlns="">
             <p:pic>
               <p:nvPicPr>
                 <p:cNvPr id="33" name="筆跡 32">
@@ -11625,8 +11611,8 @@
             </p:pic>
           </mc:Fallback>
         </mc:AlternateContent>
-        <mc:AlternateContent xmlns:mc="http://schemas.openxmlformats.org/markup-compatibility/2006">
-          <mc:Choice xmlns:p14="http://schemas.microsoft.com/office/powerpoint/2010/main" Requires="p14">
+        <mc:AlternateContent xmlns:mc="http://schemas.openxmlformats.org/markup-compatibility/2006" xmlns:p14="http://schemas.microsoft.com/office/powerpoint/2010/main">
+          <mc:Choice Requires="p14">
             <p:contentPart p14:bwMode="auto" r:id="rId24">
               <p14:nvContentPartPr>
                 <p14:cNvPr id="35" name="筆跡 34">
@@ -11645,7 +11631,7 @@
               </p14:xfrm>
             </p:contentPart>
           </mc:Choice>
-          <mc:Fallback>
+          <mc:Fallback xmlns="">
             <p:pic>
               <p:nvPicPr>
                 <p:cNvPr id="35" name="筆跡 34">
@@ -11676,8 +11662,8 @@
             </p:pic>
           </mc:Fallback>
         </mc:AlternateContent>
-        <mc:AlternateContent xmlns:mc="http://schemas.openxmlformats.org/markup-compatibility/2006">
-          <mc:Choice xmlns:p14="http://schemas.microsoft.com/office/powerpoint/2010/main" Requires="p14">
+        <mc:AlternateContent xmlns:mc="http://schemas.openxmlformats.org/markup-compatibility/2006" xmlns:p14="http://schemas.microsoft.com/office/powerpoint/2010/main">
+          <mc:Choice Requires="p14">
             <p:contentPart p14:bwMode="auto" r:id="rId26">
               <p14:nvContentPartPr>
                 <p14:cNvPr id="41" name="筆跡 40">
@@ -11696,7 +11682,7 @@
               </p14:xfrm>
             </p:contentPart>
           </mc:Choice>
-          <mc:Fallback>
+          <mc:Fallback xmlns="">
             <p:pic>
               <p:nvPicPr>
                 <p:cNvPr id="41" name="筆跡 40">
@@ -11727,8 +11713,8 @@
             </p:pic>
           </mc:Fallback>
         </mc:AlternateContent>
-        <mc:AlternateContent xmlns:mc="http://schemas.openxmlformats.org/markup-compatibility/2006">
-          <mc:Choice xmlns:p14="http://schemas.microsoft.com/office/powerpoint/2010/main" Requires="p14">
+        <mc:AlternateContent xmlns:mc="http://schemas.openxmlformats.org/markup-compatibility/2006" xmlns:p14="http://schemas.microsoft.com/office/powerpoint/2010/main">
+          <mc:Choice Requires="p14">
             <p:contentPart p14:bwMode="auto" r:id="rId28">
               <p14:nvContentPartPr>
                 <p14:cNvPr id="42" name="筆跡 41">
@@ -11747,7 +11733,7 @@
               </p14:xfrm>
             </p:contentPart>
           </mc:Choice>
-          <mc:Fallback>
+          <mc:Fallback xmlns="">
             <p:pic>
               <p:nvPicPr>
                 <p:cNvPr id="42" name="筆跡 41">
@@ -11778,8 +11764,8 @@
             </p:pic>
           </mc:Fallback>
         </mc:AlternateContent>
-        <mc:AlternateContent xmlns:mc="http://schemas.openxmlformats.org/markup-compatibility/2006">
-          <mc:Choice xmlns:p14="http://schemas.microsoft.com/office/powerpoint/2010/main" Requires="p14">
+        <mc:AlternateContent xmlns:mc="http://schemas.openxmlformats.org/markup-compatibility/2006" xmlns:p14="http://schemas.microsoft.com/office/powerpoint/2010/main">
+          <mc:Choice Requires="p14">
             <p:contentPart p14:bwMode="auto" r:id="rId30">
               <p14:nvContentPartPr>
                 <p14:cNvPr id="43" name="筆跡 42">
@@ -11798,7 +11784,7 @@
               </p14:xfrm>
             </p:contentPart>
           </mc:Choice>
-          <mc:Fallback>
+          <mc:Fallback xmlns="">
             <p:pic>
               <p:nvPicPr>
                 <p:cNvPr id="43" name="筆跡 42">
@@ -11829,8 +11815,8 @@
             </p:pic>
           </mc:Fallback>
         </mc:AlternateContent>
-        <mc:AlternateContent xmlns:mc="http://schemas.openxmlformats.org/markup-compatibility/2006">
-          <mc:Choice xmlns:p14="http://schemas.microsoft.com/office/powerpoint/2010/main" Requires="p14">
+        <mc:AlternateContent xmlns:mc="http://schemas.openxmlformats.org/markup-compatibility/2006" xmlns:p14="http://schemas.microsoft.com/office/powerpoint/2010/main">
+          <mc:Choice Requires="p14">
             <p:contentPart p14:bwMode="auto" r:id="rId32">
               <p14:nvContentPartPr>
                 <p14:cNvPr id="45" name="筆跡 44">
@@ -11849,7 +11835,7 @@
               </p14:xfrm>
             </p:contentPart>
           </mc:Choice>
-          <mc:Fallback>
+          <mc:Fallback xmlns="">
             <p:pic>
               <p:nvPicPr>
                 <p:cNvPr id="45" name="筆跡 44">
@@ -11881,8 +11867,8 @@
           </mc:Fallback>
         </mc:AlternateContent>
       </p:grpSp>
-      <mc:AlternateContent xmlns:mc="http://schemas.openxmlformats.org/markup-compatibility/2006">
-        <mc:Choice xmlns:p14="http://schemas.microsoft.com/office/powerpoint/2010/main" Requires="p14">
+      <mc:AlternateContent xmlns:mc="http://schemas.openxmlformats.org/markup-compatibility/2006" xmlns:p14="http://schemas.microsoft.com/office/powerpoint/2010/main">
+        <mc:Choice Requires="p14">
           <p:contentPart p14:bwMode="auto" r:id="rId34">
             <p14:nvContentPartPr>
               <p14:cNvPr id="47" name="筆跡 46">
@@ -11901,7 +11887,7 @@
             </p14:xfrm>
           </p:contentPart>
         </mc:Choice>
-        <mc:Fallback>
+        <mc:Fallback xmlns="">
           <p:pic>
             <p:nvPicPr>
               <p:cNvPr id="47" name="筆跡 46">
@@ -11952,8 +11938,8 @@
             <a:chExt cx="551880" cy="423360"/>
           </a:xfrm>
         </p:grpSpPr>
-        <mc:AlternateContent xmlns:mc="http://schemas.openxmlformats.org/markup-compatibility/2006">
-          <mc:Choice xmlns:p14="http://schemas.microsoft.com/office/powerpoint/2010/main" Requires="p14">
+        <mc:AlternateContent xmlns:mc="http://schemas.openxmlformats.org/markup-compatibility/2006" xmlns:p14="http://schemas.microsoft.com/office/powerpoint/2010/main">
+          <mc:Choice Requires="p14">
             <p:contentPart p14:bwMode="auto" r:id="rId36">
               <p14:nvContentPartPr>
                 <p14:cNvPr id="52" name="筆跡 51">
@@ -11972,7 +11958,7 @@
               </p14:xfrm>
             </p:contentPart>
           </mc:Choice>
-          <mc:Fallback>
+          <mc:Fallback xmlns="">
             <p:pic>
               <p:nvPicPr>
                 <p:cNvPr id="52" name="筆跡 51">
@@ -12003,8 +11989,8 @@
             </p:pic>
           </mc:Fallback>
         </mc:AlternateContent>
-        <mc:AlternateContent xmlns:mc="http://schemas.openxmlformats.org/markup-compatibility/2006">
-          <mc:Choice xmlns:p14="http://schemas.microsoft.com/office/powerpoint/2010/main" Requires="p14">
+        <mc:AlternateContent xmlns:mc="http://schemas.openxmlformats.org/markup-compatibility/2006" xmlns:p14="http://schemas.microsoft.com/office/powerpoint/2010/main">
+          <mc:Choice Requires="p14">
             <p:contentPart p14:bwMode="auto" r:id="rId38">
               <p14:nvContentPartPr>
                 <p14:cNvPr id="53" name="筆跡 52">
@@ -12023,7 +12009,7 @@
               </p14:xfrm>
             </p:contentPart>
           </mc:Choice>
-          <mc:Fallback>
+          <mc:Fallback xmlns="">
             <p:pic>
               <p:nvPicPr>
                 <p:cNvPr id="53" name="筆跡 52">
@@ -12054,8 +12040,8 @@
             </p:pic>
           </mc:Fallback>
         </mc:AlternateContent>
-        <mc:AlternateContent xmlns:mc="http://schemas.openxmlformats.org/markup-compatibility/2006">
-          <mc:Choice xmlns:p14="http://schemas.microsoft.com/office/powerpoint/2010/main" Requires="p14">
+        <mc:AlternateContent xmlns:mc="http://schemas.openxmlformats.org/markup-compatibility/2006" xmlns:p14="http://schemas.microsoft.com/office/powerpoint/2010/main">
+          <mc:Choice Requires="p14">
             <p:contentPart p14:bwMode="auto" r:id="rId40">
               <p14:nvContentPartPr>
                 <p14:cNvPr id="54" name="筆跡 53">
@@ -12074,7 +12060,7 @@
               </p14:xfrm>
             </p:contentPart>
           </mc:Choice>
-          <mc:Fallback>
+          <mc:Fallback xmlns="">
             <p:pic>
               <p:nvPicPr>
                 <p:cNvPr id="54" name="筆跡 53">
@@ -12105,8 +12091,8 @@
             </p:pic>
           </mc:Fallback>
         </mc:AlternateContent>
-        <mc:AlternateContent xmlns:mc="http://schemas.openxmlformats.org/markup-compatibility/2006">
-          <mc:Choice xmlns:p14="http://schemas.microsoft.com/office/powerpoint/2010/main" Requires="p14">
+        <mc:AlternateContent xmlns:mc="http://schemas.openxmlformats.org/markup-compatibility/2006" xmlns:p14="http://schemas.microsoft.com/office/powerpoint/2010/main">
+          <mc:Choice Requires="p14">
             <p:contentPart p14:bwMode="auto" r:id="rId42">
               <p14:nvContentPartPr>
                 <p14:cNvPr id="55" name="筆跡 54">
@@ -12125,7 +12111,7 @@
               </p14:xfrm>
             </p:contentPart>
           </mc:Choice>
-          <mc:Fallback>
+          <mc:Fallback xmlns="">
             <p:pic>
               <p:nvPicPr>
                 <p:cNvPr id="55" name="筆跡 54">
@@ -12157,8 +12143,8 @@
           </mc:Fallback>
         </mc:AlternateContent>
       </p:grpSp>
-      <mc:AlternateContent xmlns:mc="http://schemas.openxmlformats.org/markup-compatibility/2006">
-        <mc:Choice xmlns:p14="http://schemas.microsoft.com/office/powerpoint/2010/main" Requires="p14">
+      <mc:AlternateContent xmlns:mc="http://schemas.openxmlformats.org/markup-compatibility/2006" xmlns:p14="http://schemas.microsoft.com/office/powerpoint/2010/main">
+        <mc:Choice Requires="p14">
           <p:contentPart p14:bwMode="auto" r:id="rId44">
             <p14:nvContentPartPr>
               <p14:cNvPr id="57" name="筆跡 56">
@@ -12177,7 +12163,7 @@
             </p14:xfrm>
           </p:contentPart>
         </mc:Choice>
-        <mc:Fallback>
+        <mc:Fallback xmlns="">
           <p:pic>
             <p:nvPicPr>
               <p:cNvPr id="57" name="筆跡 56">
@@ -12208,8 +12194,8 @@
           </p:pic>
         </mc:Fallback>
       </mc:AlternateContent>
-      <mc:AlternateContent xmlns:mc="http://schemas.openxmlformats.org/markup-compatibility/2006">
-        <mc:Choice xmlns:p14="http://schemas.microsoft.com/office/powerpoint/2010/main" Requires="p14">
+      <mc:AlternateContent xmlns:mc="http://schemas.openxmlformats.org/markup-compatibility/2006" xmlns:p14="http://schemas.microsoft.com/office/powerpoint/2010/main">
+        <mc:Choice Requires="p14">
           <p:contentPart p14:bwMode="auto" r:id="rId46">
             <p14:nvContentPartPr>
               <p14:cNvPr id="2057" name="筆跡 2056">
@@ -12228,7 +12214,7 @@
             </p14:xfrm>
           </p:contentPart>
         </mc:Choice>
-        <mc:Fallback>
+        <mc:Fallback xmlns="">
           <p:pic>
             <p:nvPicPr>
               <p:cNvPr id="2057" name="筆跡 2056">
@@ -12259,8 +12245,8 @@
           </p:pic>
         </mc:Fallback>
       </mc:AlternateContent>
-      <mc:AlternateContent xmlns:mc="http://schemas.openxmlformats.org/markup-compatibility/2006">
-        <mc:Choice xmlns:p14="http://schemas.microsoft.com/office/powerpoint/2010/main" Requires="p14">
+      <mc:AlternateContent xmlns:mc="http://schemas.openxmlformats.org/markup-compatibility/2006" xmlns:p14="http://schemas.microsoft.com/office/powerpoint/2010/main">
+        <mc:Choice Requires="p14">
           <p:contentPart p14:bwMode="auto" r:id="rId48">
             <p14:nvContentPartPr>
               <p14:cNvPr id="2058" name="筆跡 2057">
@@ -12279,7 +12265,7 @@
             </p14:xfrm>
           </p:contentPart>
         </mc:Choice>
-        <mc:Fallback>
+        <mc:Fallback xmlns="">
           <p:pic>
             <p:nvPicPr>
               <p:cNvPr id="2058" name="筆跡 2057">
@@ -12310,8 +12296,8 @@
           </p:pic>
         </mc:Fallback>
       </mc:AlternateContent>
-      <mc:AlternateContent xmlns:mc="http://schemas.openxmlformats.org/markup-compatibility/2006">
-        <mc:Choice xmlns:p14="http://schemas.microsoft.com/office/powerpoint/2010/main" Requires="p14">
+      <mc:AlternateContent xmlns:mc="http://schemas.openxmlformats.org/markup-compatibility/2006" xmlns:p14="http://schemas.microsoft.com/office/powerpoint/2010/main">
+        <mc:Choice Requires="p14">
           <p:contentPart p14:bwMode="auto" r:id="rId50">
             <p14:nvContentPartPr>
               <p14:cNvPr id="2059" name="筆跡 2058">
@@ -12330,7 +12316,7 @@
             </p14:xfrm>
           </p:contentPart>
         </mc:Choice>
-        <mc:Fallback>
+        <mc:Fallback xmlns="">
           <p:pic>
             <p:nvPicPr>
               <p:cNvPr id="2059" name="筆跡 2058">
@@ -12361,8 +12347,8 @@
           </p:pic>
         </mc:Fallback>
       </mc:AlternateContent>
-      <mc:AlternateContent xmlns:mc="http://schemas.openxmlformats.org/markup-compatibility/2006">
-        <mc:Choice xmlns:p14="http://schemas.microsoft.com/office/powerpoint/2010/main" Requires="p14">
+      <mc:AlternateContent xmlns:mc="http://schemas.openxmlformats.org/markup-compatibility/2006" xmlns:p14="http://schemas.microsoft.com/office/powerpoint/2010/main">
+        <mc:Choice Requires="p14">
           <p:contentPart p14:bwMode="auto" r:id="rId52">
             <p14:nvContentPartPr>
               <p14:cNvPr id="2068" name="筆跡 2067">
@@ -12381,7 +12367,7 @@
             </p14:xfrm>
           </p:contentPart>
         </mc:Choice>
-        <mc:Fallback>
+        <mc:Fallback xmlns="">
           <p:pic>
             <p:nvPicPr>
               <p:cNvPr id="2068" name="筆跡 2067">
@@ -12432,8 +12418,8 @@
             <a:chExt cx="8204760" cy="507240"/>
           </a:xfrm>
         </p:grpSpPr>
-        <mc:AlternateContent xmlns:mc="http://schemas.openxmlformats.org/markup-compatibility/2006">
-          <mc:Choice xmlns:p14="http://schemas.microsoft.com/office/powerpoint/2010/main" Requires="p14">
+        <mc:AlternateContent xmlns:mc="http://schemas.openxmlformats.org/markup-compatibility/2006" xmlns:p14="http://schemas.microsoft.com/office/powerpoint/2010/main">
+          <mc:Choice Requires="p14">
             <p:contentPart p14:bwMode="auto" r:id="rId54">
               <p14:nvContentPartPr>
                 <p14:cNvPr id="48" name="筆跡 47">
@@ -12452,7 +12438,7 @@
               </p14:xfrm>
             </p:contentPart>
           </mc:Choice>
-          <mc:Fallback>
+          <mc:Fallback xmlns="">
             <p:pic>
               <p:nvPicPr>
                 <p:cNvPr id="48" name="筆跡 47">
@@ -12483,8 +12469,8 @@
             </p:pic>
           </mc:Fallback>
         </mc:AlternateContent>
-        <mc:AlternateContent xmlns:mc="http://schemas.openxmlformats.org/markup-compatibility/2006">
-          <mc:Choice xmlns:p14="http://schemas.microsoft.com/office/powerpoint/2010/main" Requires="p14">
+        <mc:AlternateContent xmlns:mc="http://schemas.openxmlformats.org/markup-compatibility/2006" xmlns:p14="http://schemas.microsoft.com/office/powerpoint/2010/main">
+          <mc:Choice Requires="p14">
             <p:contentPart p14:bwMode="auto" r:id="rId56">
               <p14:nvContentPartPr>
                 <p14:cNvPr id="49" name="筆跡 48">
@@ -12503,7 +12489,7 @@
               </p14:xfrm>
             </p:contentPart>
           </mc:Choice>
-          <mc:Fallback>
+          <mc:Fallback xmlns="">
             <p:pic>
               <p:nvPicPr>
                 <p:cNvPr id="49" name="筆跡 48">
@@ -12534,8 +12520,8 @@
             </p:pic>
           </mc:Fallback>
         </mc:AlternateContent>
-        <mc:AlternateContent xmlns:mc="http://schemas.openxmlformats.org/markup-compatibility/2006">
-          <mc:Choice xmlns:p14="http://schemas.microsoft.com/office/powerpoint/2010/main" Requires="p14">
+        <mc:AlternateContent xmlns:mc="http://schemas.openxmlformats.org/markup-compatibility/2006" xmlns:p14="http://schemas.microsoft.com/office/powerpoint/2010/main">
+          <mc:Choice Requires="p14">
             <p:contentPart p14:bwMode="auto" r:id="rId58">
               <p14:nvContentPartPr>
                 <p14:cNvPr id="58" name="筆跡 57">
@@ -12554,7 +12540,7 @@
               </p14:xfrm>
             </p:contentPart>
           </mc:Choice>
-          <mc:Fallback>
+          <mc:Fallback xmlns="">
             <p:pic>
               <p:nvPicPr>
                 <p:cNvPr id="58" name="筆跡 57">
@@ -12585,8 +12571,8 @@
             </p:pic>
           </mc:Fallback>
         </mc:AlternateContent>
-        <mc:AlternateContent xmlns:mc="http://schemas.openxmlformats.org/markup-compatibility/2006">
-          <mc:Choice xmlns:p14="http://schemas.microsoft.com/office/powerpoint/2010/main" Requires="p14">
+        <mc:AlternateContent xmlns:mc="http://schemas.openxmlformats.org/markup-compatibility/2006" xmlns:p14="http://schemas.microsoft.com/office/powerpoint/2010/main">
+          <mc:Choice Requires="p14">
             <p:contentPart p14:bwMode="auto" r:id="rId60">
               <p14:nvContentPartPr>
                 <p14:cNvPr id="59" name="筆跡 58">
@@ -12605,7 +12591,7 @@
               </p14:xfrm>
             </p:contentPart>
           </mc:Choice>
-          <mc:Fallback>
+          <mc:Fallback xmlns="">
             <p:pic>
               <p:nvPicPr>
                 <p:cNvPr id="59" name="筆跡 58">
@@ -12636,8 +12622,8 @@
             </p:pic>
           </mc:Fallback>
         </mc:AlternateContent>
-        <mc:AlternateContent xmlns:mc="http://schemas.openxmlformats.org/markup-compatibility/2006">
-          <mc:Choice xmlns:p14="http://schemas.microsoft.com/office/powerpoint/2010/main" Requires="p14">
+        <mc:AlternateContent xmlns:mc="http://schemas.openxmlformats.org/markup-compatibility/2006" xmlns:p14="http://schemas.microsoft.com/office/powerpoint/2010/main">
+          <mc:Choice Requires="p14">
             <p:contentPart p14:bwMode="auto" r:id="rId62">
               <p14:nvContentPartPr>
                 <p14:cNvPr id="60" name="筆跡 59">
@@ -12656,7 +12642,7 @@
               </p14:xfrm>
             </p:contentPart>
           </mc:Choice>
-          <mc:Fallback>
+          <mc:Fallback xmlns="">
             <p:pic>
               <p:nvPicPr>
                 <p:cNvPr id="60" name="筆跡 59">
@@ -12687,8 +12673,8 @@
             </p:pic>
           </mc:Fallback>
         </mc:AlternateContent>
-        <mc:AlternateContent xmlns:mc="http://schemas.openxmlformats.org/markup-compatibility/2006">
-          <mc:Choice xmlns:p14="http://schemas.microsoft.com/office/powerpoint/2010/main" Requires="p14">
+        <mc:AlternateContent xmlns:mc="http://schemas.openxmlformats.org/markup-compatibility/2006" xmlns:p14="http://schemas.microsoft.com/office/powerpoint/2010/main">
+          <mc:Choice Requires="p14">
             <p:contentPart p14:bwMode="auto" r:id="rId64">
               <p14:nvContentPartPr>
                 <p14:cNvPr id="61" name="筆跡 60">
@@ -12707,7 +12693,7 @@
               </p14:xfrm>
             </p:contentPart>
           </mc:Choice>
-          <mc:Fallback>
+          <mc:Fallback xmlns="">
             <p:pic>
               <p:nvPicPr>
                 <p:cNvPr id="61" name="筆跡 60">
@@ -12738,8 +12724,8 @@
             </p:pic>
           </mc:Fallback>
         </mc:AlternateContent>
-        <mc:AlternateContent xmlns:mc="http://schemas.openxmlformats.org/markup-compatibility/2006">
-          <mc:Choice xmlns:p14="http://schemas.microsoft.com/office/powerpoint/2010/main" Requires="p14">
+        <mc:AlternateContent xmlns:mc="http://schemas.openxmlformats.org/markup-compatibility/2006" xmlns:p14="http://schemas.microsoft.com/office/powerpoint/2010/main">
+          <mc:Choice Requires="p14">
             <p:contentPart p14:bwMode="auto" r:id="rId66">
               <p14:nvContentPartPr>
                 <p14:cNvPr id="62" name="筆跡 61">
@@ -12758,7 +12744,7 @@
               </p14:xfrm>
             </p:contentPart>
           </mc:Choice>
-          <mc:Fallback>
+          <mc:Fallback xmlns="">
             <p:pic>
               <p:nvPicPr>
                 <p:cNvPr id="62" name="筆跡 61">
@@ -12789,8 +12775,8 @@
             </p:pic>
           </mc:Fallback>
         </mc:AlternateContent>
-        <mc:AlternateContent xmlns:mc="http://schemas.openxmlformats.org/markup-compatibility/2006">
-          <mc:Choice xmlns:p14="http://schemas.microsoft.com/office/powerpoint/2010/main" Requires="p14">
+        <mc:AlternateContent xmlns:mc="http://schemas.openxmlformats.org/markup-compatibility/2006" xmlns:p14="http://schemas.microsoft.com/office/powerpoint/2010/main">
+          <mc:Choice Requires="p14">
             <p:contentPart p14:bwMode="auto" r:id="rId68">
               <p14:nvContentPartPr>
                 <p14:cNvPr id="2048" name="筆跡 2047">
@@ -12809,7 +12795,7 @@
               </p14:xfrm>
             </p:contentPart>
           </mc:Choice>
-          <mc:Fallback>
+          <mc:Fallback xmlns="">
             <p:pic>
               <p:nvPicPr>
                 <p:cNvPr id="2048" name="筆跡 2047">
@@ -12840,8 +12826,8 @@
             </p:pic>
           </mc:Fallback>
         </mc:AlternateContent>
-        <mc:AlternateContent xmlns:mc="http://schemas.openxmlformats.org/markup-compatibility/2006">
-          <mc:Choice xmlns:p14="http://schemas.microsoft.com/office/powerpoint/2010/main" Requires="p14">
+        <mc:AlternateContent xmlns:mc="http://schemas.openxmlformats.org/markup-compatibility/2006" xmlns:p14="http://schemas.microsoft.com/office/powerpoint/2010/main">
+          <mc:Choice Requires="p14">
             <p:contentPart p14:bwMode="auto" r:id="rId70">
               <p14:nvContentPartPr>
                 <p14:cNvPr id="2049" name="筆跡 2048">
@@ -12860,7 +12846,7 @@
               </p14:xfrm>
             </p:contentPart>
           </mc:Choice>
-          <mc:Fallback>
+          <mc:Fallback xmlns="">
             <p:pic>
               <p:nvPicPr>
                 <p:cNvPr id="2049" name="筆跡 2048">
@@ -12891,8 +12877,8 @@
             </p:pic>
           </mc:Fallback>
         </mc:AlternateContent>
-        <mc:AlternateContent xmlns:mc="http://schemas.openxmlformats.org/markup-compatibility/2006">
-          <mc:Choice xmlns:p14="http://schemas.microsoft.com/office/powerpoint/2010/main" Requires="p14">
+        <mc:AlternateContent xmlns:mc="http://schemas.openxmlformats.org/markup-compatibility/2006" xmlns:p14="http://schemas.microsoft.com/office/powerpoint/2010/main">
+          <mc:Choice Requires="p14">
             <p:contentPart p14:bwMode="auto" r:id="rId72">
               <p14:nvContentPartPr>
                 <p14:cNvPr id="2051" name="筆跡 2050">
@@ -12911,7 +12897,7 @@
               </p14:xfrm>
             </p:contentPart>
           </mc:Choice>
-          <mc:Fallback>
+          <mc:Fallback xmlns="">
             <p:pic>
               <p:nvPicPr>
                 <p:cNvPr id="2051" name="筆跡 2050">
@@ -12942,8 +12928,8 @@
             </p:pic>
           </mc:Fallback>
         </mc:AlternateContent>
-        <mc:AlternateContent xmlns:mc="http://schemas.openxmlformats.org/markup-compatibility/2006">
-          <mc:Choice xmlns:p14="http://schemas.microsoft.com/office/powerpoint/2010/main" Requires="p14">
+        <mc:AlternateContent xmlns:mc="http://schemas.openxmlformats.org/markup-compatibility/2006" xmlns:p14="http://schemas.microsoft.com/office/powerpoint/2010/main">
+          <mc:Choice Requires="p14">
             <p:contentPart p14:bwMode="auto" r:id="rId74">
               <p14:nvContentPartPr>
                 <p14:cNvPr id="2052" name="筆跡 2051">
@@ -12962,7 +12948,7 @@
               </p14:xfrm>
             </p:contentPart>
           </mc:Choice>
-          <mc:Fallback>
+          <mc:Fallback xmlns="">
             <p:pic>
               <p:nvPicPr>
                 <p:cNvPr id="2052" name="筆跡 2051">
@@ -12993,8 +12979,8 @@
             </p:pic>
           </mc:Fallback>
         </mc:AlternateContent>
-        <mc:AlternateContent xmlns:mc="http://schemas.openxmlformats.org/markup-compatibility/2006">
-          <mc:Choice xmlns:p14="http://schemas.microsoft.com/office/powerpoint/2010/main" Requires="p14">
+        <mc:AlternateContent xmlns:mc="http://schemas.openxmlformats.org/markup-compatibility/2006" xmlns:p14="http://schemas.microsoft.com/office/powerpoint/2010/main">
+          <mc:Choice Requires="p14">
             <p:contentPart p14:bwMode="auto" r:id="rId76">
               <p14:nvContentPartPr>
                 <p14:cNvPr id="2053" name="筆跡 2052">
@@ -13013,7 +12999,7 @@
               </p14:xfrm>
             </p:contentPart>
           </mc:Choice>
-          <mc:Fallback>
+          <mc:Fallback xmlns="">
             <p:pic>
               <p:nvPicPr>
                 <p:cNvPr id="2053" name="筆跡 2052">
@@ -13044,8 +13030,8 @@
             </p:pic>
           </mc:Fallback>
         </mc:AlternateContent>
-        <mc:AlternateContent xmlns:mc="http://schemas.openxmlformats.org/markup-compatibility/2006">
-          <mc:Choice xmlns:p14="http://schemas.microsoft.com/office/powerpoint/2010/main" Requires="p14">
+        <mc:AlternateContent xmlns:mc="http://schemas.openxmlformats.org/markup-compatibility/2006" xmlns:p14="http://schemas.microsoft.com/office/powerpoint/2010/main">
+          <mc:Choice Requires="p14">
             <p:contentPart p14:bwMode="auto" r:id="rId78">
               <p14:nvContentPartPr>
                 <p14:cNvPr id="2054" name="筆跡 2053">
@@ -13064,7 +13050,7 @@
               </p14:xfrm>
             </p:contentPart>
           </mc:Choice>
-          <mc:Fallback>
+          <mc:Fallback xmlns="">
             <p:pic>
               <p:nvPicPr>
                 <p:cNvPr id="2054" name="筆跡 2053">
@@ -13095,8 +13081,8 @@
             </p:pic>
           </mc:Fallback>
         </mc:AlternateContent>
-        <mc:AlternateContent xmlns:mc="http://schemas.openxmlformats.org/markup-compatibility/2006">
-          <mc:Choice xmlns:p14="http://schemas.microsoft.com/office/powerpoint/2010/main" Requires="p14">
+        <mc:AlternateContent xmlns:mc="http://schemas.openxmlformats.org/markup-compatibility/2006" xmlns:p14="http://schemas.microsoft.com/office/powerpoint/2010/main">
+          <mc:Choice Requires="p14">
             <p:contentPart p14:bwMode="auto" r:id="rId80">
               <p14:nvContentPartPr>
                 <p14:cNvPr id="2055" name="筆跡 2054">
@@ -13115,7 +13101,7 @@
               </p14:xfrm>
             </p:contentPart>
           </mc:Choice>
-          <mc:Fallback>
+          <mc:Fallback xmlns="">
             <p:pic>
               <p:nvPicPr>
                 <p:cNvPr id="2055" name="筆跡 2054">
@@ -13146,8 +13132,8 @@
             </p:pic>
           </mc:Fallback>
         </mc:AlternateContent>
-        <mc:AlternateContent xmlns:mc="http://schemas.openxmlformats.org/markup-compatibility/2006">
-          <mc:Choice xmlns:p14="http://schemas.microsoft.com/office/powerpoint/2010/main" Requires="p14">
+        <mc:AlternateContent xmlns:mc="http://schemas.openxmlformats.org/markup-compatibility/2006" xmlns:p14="http://schemas.microsoft.com/office/powerpoint/2010/main">
+          <mc:Choice Requires="p14">
             <p:contentPart p14:bwMode="auto" r:id="rId82">
               <p14:nvContentPartPr>
                 <p14:cNvPr id="2061" name="筆跡 2060">
@@ -13166,7 +13152,7 @@
               </p14:xfrm>
             </p:contentPart>
           </mc:Choice>
-          <mc:Fallback>
+          <mc:Fallback xmlns="">
             <p:pic>
               <p:nvPicPr>
                 <p:cNvPr id="2061" name="筆跡 2060">
@@ -13197,8 +13183,8 @@
             </p:pic>
           </mc:Fallback>
         </mc:AlternateContent>
-        <mc:AlternateContent xmlns:mc="http://schemas.openxmlformats.org/markup-compatibility/2006">
-          <mc:Choice xmlns:p14="http://schemas.microsoft.com/office/powerpoint/2010/main" Requires="p14">
+        <mc:AlternateContent xmlns:mc="http://schemas.openxmlformats.org/markup-compatibility/2006" xmlns:p14="http://schemas.microsoft.com/office/powerpoint/2010/main">
+          <mc:Choice Requires="p14">
             <p:contentPart p14:bwMode="auto" r:id="rId84">
               <p14:nvContentPartPr>
                 <p14:cNvPr id="2062" name="筆跡 2061">
@@ -13217,7 +13203,7 @@
               </p14:xfrm>
             </p:contentPart>
           </mc:Choice>
-          <mc:Fallback>
+          <mc:Fallback xmlns="">
             <p:pic>
               <p:nvPicPr>
                 <p:cNvPr id="2062" name="筆跡 2061">
@@ -13248,8 +13234,8 @@
             </p:pic>
           </mc:Fallback>
         </mc:AlternateContent>
-        <mc:AlternateContent xmlns:mc="http://schemas.openxmlformats.org/markup-compatibility/2006">
-          <mc:Choice xmlns:p14="http://schemas.microsoft.com/office/powerpoint/2010/main" Requires="p14">
+        <mc:AlternateContent xmlns:mc="http://schemas.openxmlformats.org/markup-compatibility/2006" xmlns:p14="http://schemas.microsoft.com/office/powerpoint/2010/main">
+          <mc:Choice Requires="p14">
             <p:contentPart p14:bwMode="auto" r:id="rId86">
               <p14:nvContentPartPr>
                 <p14:cNvPr id="2063" name="筆跡 2062">
@@ -13268,7 +13254,7 @@
               </p14:xfrm>
             </p:contentPart>
           </mc:Choice>
-          <mc:Fallback>
+          <mc:Fallback xmlns="">
             <p:pic>
               <p:nvPicPr>
                 <p:cNvPr id="2063" name="筆跡 2062">
@@ -13299,8 +13285,8 @@
             </p:pic>
           </mc:Fallback>
         </mc:AlternateContent>
-        <mc:AlternateContent xmlns:mc="http://schemas.openxmlformats.org/markup-compatibility/2006">
-          <mc:Choice xmlns:p14="http://schemas.microsoft.com/office/powerpoint/2010/main" Requires="p14">
+        <mc:AlternateContent xmlns:mc="http://schemas.openxmlformats.org/markup-compatibility/2006" xmlns:p14="http://schemas.microsoft.com/office/powerpoint/2010/main">
+          <mc:Choice Requires="p14">
             <p:contentPart p14:bwMode="auto" r:id="rId88">
               <p14:nvContentPartPr>
                 <p14:cNvPr id="2065" name="筆跡 2064">
@@ -13319,7 +13305,7 @@
               </p14:xfrm>
             </p:contentPart>
           </mc:Choice>
-          <mc:Fallback>
+          <mc:Fallback xmlns="">
             <p:pic>
               <p:nvPicPr>
                 <p:cNvPr id="2065" name="筆跡 2064">
@@ -13350,8 +13336,8 @@
             </p:pic>
           </mc:Fallback>
         </mc:AlternateContent>
-        <mc:AlternateContent xmlns:mc="http://schemas.openxmlformats.org/markup-compatibility/2006">
-          <mc:Choice xmlns:p14="http://schemas.microsoft.com/office/powerpoint/2010/main" Requires="p14">
+        <mc:AlternateContent xmlns:mc="http://schemas.openxmlformats.org/markup-compatibility/2006" xmlns:p14="http://schemas.microsoft.com/office/powerpoint/2010/main">
+          <mc:Choice Requires="p14">
             <p:contentPart p14:bwMode="auto" r:id="rId90">
               <p14:nvContentPartPr>
                 <p14:cNvPr id="2066" name="筆跡 2065">
@@ -13370,7 +13356,7 @@
               </p14:xfrm>
             </p:contentPart>
           </mc:Choice>
-          <mc:Fallback>
+          <mc:Fallback xmlns="">
             <p:pic>
               <p:nvPicPr>
                 <p:cNvPr id="2066" name="筆跡 2065">
@@ -13401,8 +13387,8 @@
             </p:pic>
           </mc:Fallback>
         </mc:AlternateContent>
-        <mc:AlternateContent xmlns:mc="http://schemas.openxmlformats.org/markup-compatibility/2006">
-          <mc:Choice xmlns:p14="http://schemas.microsoft.com/office/powerpoint/2010/main" Requires="p14">
+        <mc:AlternateContent xmlns:mc="http://schemas.openxmlformats.org/markup-compatibility/2006" xmlns:p14="http://schemas.microsoft.com/office/powerpoint/2010/main">
+          <mc:Choice Requires="p14">
             <p:contentPart p14:bwMode="auto" r:id="rId92">
               <p14:nvContentPartPr>
                 <p14:cNvPr id="2070" name="筆跡 2069">
@@ -13421,7 +13407,7 @@
               </p14:xfrm>
             </p:contentPart>
           </mc:Choice>
-          <mc:Fallback>
+          <mc:Fallback xmlns="">
             <p:pic>
               <p:nvPicPr>
                 <p:cNvPr id="2070" name="筆跡 2069">
@@ -13452,8 +13438,8 @@
             </p:pic>
           </mc:Fallback>
         </mc:AlternateContent>
-        <mc:AlternateContent xmlns:mc="http://schemas.openxmlformats.org/markup-compatibility/2006">
-          <mc:Choice xmlns:p14="http://schemas.microsoft.com/office/powerpoint/2010/main" Requires="p14">
+        <mc:AlternateContent xmlns:mc="http://schemas.openxmlformats.org/markup-compatibility/2006" xmlns:p14="http://schemas.microsoft.com/office/powerpoint/2010/main">
+          <mc:Choice Requires="p14">
             <p:contentPart p14:bwMode="auto" r:id="rId94">
               <p14:nvContentPartPr>
                 <p14:cNvPr id="2071" name="筆跡 2070">
@@ -13472,7 +13458,7 @@
               </p14:xfrm>
             </p:contentPart>
           </mc:Choice>
-          <mc:Fallback>
+          <mc:Fallback xmlns="">
             <p:pic>
               <p:nvPicPr>
                 <p:cNvPr id="2071" name="筆跡 2070">
@@ -13503,8 +13489,8 @@
             </p:pic>
           </mc:Fallback>
         </mc:AlternateContent>
-        <mc:AlternateContent xmlns:mc="http://schemas.openxmlformats.org/markup-compatibility/2006">
-          <mc:Choice xmlns:p14="http://schemas.microsoft.com/office/powerpoint/2010/main" Requires="p14">
+        <mc:AlternateContent xmlns:mc="http://schemas.openxmlformats.org/markup-compatibility/2006" xmlns:p14="http://schemas.microsoft.com/office/powerpoint/2010/main">
+          <mc:Choice Requires="p14">
             <p:contentPart p14:bwMode="auto" r:id="rId96">
               <p14:nvContentPartPr>
                 <p14:cNvPr id="2072" name="筆跡 2071">
@@ -13523,7 +13509,7 @@
               </p14:xfrm>
             </p:contentPart>
           </mc:Choice>
-          <mc:Fallback>
+          <mc:Fallback xmlns="">
             <p:pic>
               <p:nvPicPr>
                 <p:cNvPr id="2072" name="筆跡 2071">
@@ -13554,8 +13540,8 @@
             </p:pic>
           </mc:Fallback>
         </mc:AlternateContent>
-        <mc:AlternateContent xmlns:mc="http://schemas.openxmlformats.org/markup-compatibility/2006">
-          <mc:Choice xmlns:p14="http://schemas.microsoft.com/office/powerpoint/2010/main" Requires="p14">
+        <mc:AlternateContent xmlns:mc="http://schemas.openxmlformats.org/markup-compatibility/2006" xmlns:p14="http://schemas.microsoft.com/office/powerpoint/2010/main">
+          <mc:Choice Requires="p14">
             <p:contentPart p14:bwMode="auto" r:id="rId98">
               <p14:nvContentPartPr>
                 <p14:cNvPr id="2073" name="筆跡 2072">
@@ -13574,7 +13560,7 @@
               </p14:xfrm>
             </p:contentPart>
           </mc:Choice>
-          <mc:Fallback>
+          <mc:Fallback xmlns="">
             <p:pic>
               <p:nvPicPr>
                 <p:cNvPr id="2073" name="筆跡 2072">
@@ -13605,8 +13591,8 @@
             </p:pic>
           </mc:Fallback>
         </mc:AlternateContent>
-        <mc:AlternateContent xmlns:mc="http://schemas.openxmlformats.org/markup-compatibility/2006">
-          <mc:Choice xmlns:p14="http://schemas.microsoft.com/office/powerpoint/2010/main" Requires="p14">
+        <mc:AlternateContent xmlns:mc="http://schemas.openxmlformats.org/markup-compatibility/2006" xmlns:p14="http://schemas.microsoft.com/office/powerpoint/2010/main">
+          <mc:Choice Requires="p14">
             <p:contentPart p14:bwMode="auto" r:id="rId100">
               <p14:nvContentPartPr>
                 <p14:cNvPr id="2074" name="筆跡 2073">
@@ -13625,7 +13611,7 @@
               </p14:xfrm>
             </p:contentPart>
           </mc:Choice>
-          <mc:Fallback>
+          <mc:Fallback xmlns="">
             <p:pic>
               <p:nvPicPr>
                 <p:cNvPr id="2074" name="筆跡 2073">
@@ -13656,8 +13642,8 @@
             </p:pic>
           </mc:Fallback>
         </mc:AlternateContent>
-        <mc:AlternateContent xmlns:mc="http://schemas.openxmlformats.org/markup-compatibility/2006">
-          <mc:Choice xmlns:p14="http://schemas.microsoft.com/office/powerpoint/2010/main" Requires="p14">
+        <mc:AlternateContent xmlns:mc="http://schemas.openxmlformats.org/markup-compatibility/2006" xmlns:p14="http://schemas.microsoft.com/office/powerpoint/2010/main">
+          <mc:Choice Requires="p14">
             <p:contentPart p14:bwMode="auto" r:id="rId102">
               <p14:nvContentPartPr>
                 <p14:cNvPr id="2075" name="筆跡 2074">
@@ -13676,7 +13662,7 @@
               </p14:xfrm>
             </p:contentPart>
           </mc:Choice>
-          <mc:Fallback>
+          <mc:Fallback xmlns="">
             <p:pic>
               <p:nvPicPr>
                 <p:cNvPr id="2075" name="筆跡 2074">
@@ -13707,8 +13693,8 @@
             </p:pic>
           </mc:Fallback>
         </mc:AlternateContent>
-        <mc:AlternateContent xmlns:mc="http://schemas.openxmlformats.org/markup-compatibility/2006">
-          <mc:Choice xmlns:p14="http://schemas.microsoft.com/office/powerpoint/2010/main" Requires="p14">
+        <mc:AlternateContent xmlns:mc="http://schemas.openxmlformats.org/markup-compatibility/2006" xmlns:p14="http://schemas.microsoft.com/office/powerpoint/2010/main">
+          <mc:Choice Requires="p14">
             <p:contentPart p14:bwMode="auto" r:id="rId104">
               <p14:nvContentPartPr>
                 <p14:cNvPr id="2076" name="筆跡 2075">
@@ -13727,7 +13713,7 @@
               </p14:xfrm>
             </p:contentPart>
           </mc:Choice>
-          <mc:Fallback>
+          <mc:Fallback xmlns="">
             <p:pic>
               <p:nvPicPr>
                 <p:cNvPr id="2076" name="筆跡 2075">
@@ -13758,8 +13744,8 @@
             </p:pic>
           </mc:Fallback>
         </mc:AlternateContent>
-        <mc:AlternateContent xmlns:mc="http://schemas.openxmlformats.org/markup-compatibility/2006">
-          <mc:Choice xmlns:p14="http://schemas.microsoft.com/office/powerpoint/2010/main" Requires="p14">
+        <mc:AlternateContent xmlns:mc="http://schemas.openxmlformats.org/markup-compatibility/2006" xmlns:p14="http://schemas.microsoft.com/office/powerpoint/2010/main">
+          <mc:Choice Requires="p14">
             <p:contentPart p14:bwMode="auto" r:id="rId106">
               <p14:nvContentPartPr>
                 <p14:cNvPr id="2077" name="筆跡 2076">
@@ -13778,7 +13764,7 @@
               </p14:xfrm>
             </p:contentPart>
           </mc:Choice>
-          <mc:Fallback>
+          <mc:Fallback xmlns="">
             <p:pic>
               <p:nvPicPr>
                 <p:cNvPr id="2077" name="筆跡 2076">
@@ -13809,8 +13795,8 @@
             </p:pic>
           </mc:Fallback>
         </mc:AlternateContent>
-        <mc:AlternateContent xmlns:mc="http://schemas.openxmlformats.org/markup-compatibility/2006">
-          <mc:Choice xmlns:p14="http://schemas.microsoft.com/office/powerpoint/2010/main" Requires="p14">
+        <mc:AlternateContent xmlns:mc="http://schemas.openxmlformats.org/markup-compatibility/2006" xmlns:p14="http://schemas.microsoft.com/office/powerpoint/2010/main">
+          <mc:Choice Requires="p14">
             <p:contentPart p14:bwMode="auto" r:id="rId108">
               <p14:nvContentPartPr>
                 <p14:cNvPr id="2078" name="筆跡 2077">
@@ -13829,7 +13815,7 @@
               </p14:xfrm>
             </p:contentPart>
           </mc:Choice>
-          <mc:Fallback>
+          <mc:Fallback xmlns="">
             <p:pic>
               <p:nvPicPr>
                 <p:cNvPr id="2078" name="筆跡 2077">
@@ -13860,8 +13846,8 @@
             </p:pic>
           </mc:Fallback>
         </mc:AlternateContent>
-        <mc:AlternateContent xmlns:mc="http://schemas.openxmlformats.org/markup-compatibility/2006">
-          <mc:Choice xmlns:p14="http://schemas.microsoft.com/office/powerpoint/2010/main" Requires="p14">
+        <mc:AlternateContent xmlns:mc="http://schemas.openxmlformats.org/markup-compatibility/2006" xmlns:p14="http://schemas.microsoft.com/office/powerpoint/2010/main">
+          <mc:Choice Requires="p14">
             <p:contentPart p14:bwMode="auto" r:id="rId110">
               <p14:nvContentPartPr>
                 <p14:cNvPr id="2081" name="筆跡 2080">
@@ -13880,7 +13866,7 @@
               </p14:xfrm>
             </p:contentPart>
           </mc:Choice>
-          <mc:Fallback>
+          <mc:Fallback xmlns="">
             <p:pic>
               <p:nvPicPr>
                 <p:cNvPr id="2081" name="筆跡 2080">
@@ -13911,8 +13897,8 @@
             </p:pic>
           </mc:Fallback>
         </mc:AlternateContent>
-        <mc:AlternateContent xmlns:mc="http://schemas.openxmlformats.org/markup-compatibility/2006">
-          <mc:Choice xmlns:p14="http://schemas.microsoft.com/office/powerpoint/2010/main" Requires="p14">
+        <mc:AlternateContent xmlns:mc="http://schemas.openxmlformats.org/markup-compatibility/2006" xmlns:p14="http://schemas.microsoft.com/office/powerpoint/2010/main">
+          <mc:Choice Requires="p14">
             <p:contentPart p14:bwMode="auto" r:id="rId112">
               <p14:nvContentPartPr>
                 <p14:cNvPr id="2082" name="筆跡 2081">
@@ -13931,7 +13917,7 @@
               </p14:xfrm>
             </p:contentPart>
           </mc:Choice>
-          <mc:Fallback>
+          <mc:Fallback xmlns="">
             <p:pic>
               <p:nvPicPr>
                 <p:cNvPr id="2082" name="筆跡 2081">
@@ -13983,8 +13969,8 @@
             <a:chExt cx="657720" cy="234000"/>
           </a:xfrm>
         </p:grpSpPr>
-        <mc:AlternateContent xmlns:mc="http://schemas.openxmlformats.org/markup-compatibility/2006">
-          <mc:Choice xmlns:p14="http://schemas.microsoft.com/office/powerpoint/2010/main" Requires="p14">
+        <mc:AlternateContent xmlns:mc="http://schemas.openxmlformats.org/markup-compatibility/2006" xmlns:p14="http://schemas.microsoft.com/office/powerpoint/2010/main">
+          <mc:Choice Requires="p14">
             <p:contentPart p14:bwMode="auto" r:id="rId114">
               <p14:nvContentPartPr>
                 <p14:cNvPr id="2084" name="筆跡 2083">
@@ -14003,7 +13989,7 @@
               </p14:xfrm>
             </p:contentPart>
           </mc:Choice>
-          <mc:Fallback>
+          <mc:Fallback xmlns="">
             <p:pic>
               <p:nvPicPr>
                 <p:cNvPr id="2084" name="筆跡 2083">
@@ -14034,8 +14020,8 @@
             </p:pic>
           </mc:Fallback>
         </mc:AlternateContent>
-        <mc:AlternateContent xmlns:mc="http://schemas.openxmlformats.org/markup-compatibility/2006">
-          <mc:Choice xmlns:p14="http://schemas.microsoft.com/office/powerpoint/2010/main" Requires="p14">
+        <mc:AlternateContent xmlns:mc="http://schemas.openxmlformats.org/markup-compatibility/2006" xmlns:p14="http://schemas.microsoft.com/office/powerpoint/2010/main">
+          <mc:Choice Requires="p14">
             <p:contentPart p14:bwMode="auto" r:id="rId116">
               <p14:nvContentPartPr>
                 <p14:cNvPr id="2085" name="筆跡 2084">
@@ -14054,7 +14040,7 @@
               </p14:xfrm>
             </p:contentPart>
           </mc:Choice>
-          <mc:Fallback>
+          <mc:Fallback xmlns="">
             <p:pic>
               <p:nvPicPr>
                 <p:cNvPr id="2085" name="筆跡 2084">
@@ -14085,8 +14071,8 @@
             </p:pic>
           </mc:Fallback>
         </mc:AlternateContent>
-        <mc:AlternateContent xmlns:mc="http://schemas.openxmlformats.org/markup-compatibility/2006">
-          <mc:Choice xmlns:p14="http://schemas.microsoft.com/office/powerpoint/2010/main" Requires="p14">
+        <mc:AlternateContent xmlns:mc="http://schemas.openxmlformats.org/markup-compatibility/2006" xmlns:p14="http://schemas.microsoft.com/office/powerpoint/2010/main">
+          <mc:Choice Requires="p14">
             <p:contentPart p14:bwMode="auto" r:id="rId118">
               <p14:nvContentPartPr>
                 <p14:cNvPr id="2086" name="筆跡 2085">
@@ -14105,7 +14091,7 @@
               </p14:xfrm>
             </p:contentPart>
           </mc:Choice>
-          <mc:Fallback>
+          <mc:Fallback xmlns="">
             <p:pic>
               <p:nvPicPr>
                 <p:cNvPr id="2086" name="筆跡 2085">
@@ -14136,8 +14122,8 @@
             </p:pic>
           </mc:Fallback>
         </mc:AlternateContent>
-        <mc:AlternateContent xmlns:mc="http://schemas.openxmlformats.org/markup-compatibility/2006">
-          <mc:Choice xmlns:p14="http://schemas.microsoft.com/office/powerpoint/2010/main" Requires="p14">
+        <mc:AlternateContent xmlns:mc="http://schemas.openxmlformats.org/markup-compatibility/2006" xmlns:p14="http://schemas.microsoft.com/office/powerpoint/2010/main">
+          <mc:Choice Requires="p14">
             <p:contentPart p14:bwMode="auto" r:id="rId120">
               <p14:nvContentPartPr>
                 <p14:cNvPr id="2087" name="筆跡 2086">
@@ -14156,7 +14142,7 @@
               </p14:xfrm>
             </p:contentPart>
           </mc:Choice>
-          <mc:Fallback>
+          <mc:Fallback xmlns="">
             <p:pic>
               <p:nvPicPr>
                 <p:cNvPr id="2087" name="筆跡 2086">
@@ -14187,8 +14173,8 @@
             </p:pic>
           </mc:Fallback>
         </mc:AlternateContent>
-        <mc:AlternateContent xmlns:mc="http://schemas.openxmlformats.org/markup-compatibility/2006">
-          <mc:Choice xmlns:p14="http://schemas.microsoft.com/office/powerpoint/2010/main" Requires="p14">
+        <mc:AlternateContent xmlns:mc="http://schemas.openxmlformats.org/markup-compatibility/2006" xmlns:p14="http://schemas.microsoft.com/office/powerpoint/2010/main">
+          <mc:Choice Requires="p14">
             <p:contentPart p14:bwMode="auto" r:id="rId122">
               <p14:nvContentPartPr>
                 <p14:cNvPr id="2092" name="筆跡 2091">
@@ -14207,7 +14193,7 @@
               </p14:xfrm>
             </p:contentPart>
           </mc:Choice>
-          <mc:Fallback>
+          <mc:Fallback xmlns="">
             <p:pic>
               <p:nvPicPr>
                 <p:cNvPr id="2092" name="筆跡 2091">
@@ -14238,8 +14224,8 @@
             </p:pic>
           </mc:Fallback>
         </mc:AlternateContent>
-        <mc:AlternateContent xmlns:mc="http://schemas.openxmlformats.org/markup-compatibility/2006">
-          <mc:Choice xmlns:p14="http://schemas.microsoft.com/office/powerpoint/2010/main" Requires="p14">
+        <mc:AlternateContent xmlns:mc="http://schemas.openxmlformats.org/markup-compatibility/2006" xmlns:p14="http://schemas.microsoft.com/office/powerpoint/2010/main">
+          <mc:Choice Requires="p14">
             <p:contentPart p14:bwMode="auto" r:id="rId124">
               <p14:nvContentPartPr>
                 <p14:cNvPr id="2093" name="筆跡 2092">
@@ -14258,7 +14244,7 @@
               </p14:xfrm>
             </p:contentPart>
           </mc:Choice>
-          <mc:Fallback>
+          <mc:Fallback xmlns="">
             <p:pic>
               <p:nvPicPr>
                 <p:cNvPr id="2093" name="筆跡 2092">
@@ -14289,8 +14275,8 @@
             </p:pic>
           </mc:Fallback>
         </mc:AlternateContent>
-        <mc:AlternateContent xmlns:mc="http://schemas.openxmlformats.org/markup-compatibility/2006">
-          <mc:Choice xmlns:p14="http://schemas.microsoft.com/office/powerpoint/2010/main" Requires="p14">
+        <mc:AlternateContent xmlns:mc="http://schemas.openxmlformats.org/markup-compatibility/2006" xmlns:p14="http://schemas.microsoft.com/office/powerpoint/2010/main">
+          <mc:Choice Requires="p14">
             <p:contentPart p14:bwMode="auto" r:id="rId126">
               <p14:nvContentPartPr>
                 <p14:cNvPr id="2094" name="筆跡 2093">
@@ -14309,7 +14295,7 @@
               </p14:xfrm>
             </p:contentPart>
           </mc:Choice>
-          <mc:Fallback>
+          <mc:Fallback xmlns="">
             <p:pic>
               <p:nvPicPr>
                 <p:cNvPr id="2094" name="筆跡 2093">
@@ -14341,8 +14327,8 @@
           </mc:Fallback>
         </mc:AlternateContent>
       </p:grpSp>
-      <mc:AlternateContent xmlns:mc="http://schemas.openxmlformats.org/markup-compatibility/2006">
-        <mc:Choice xmlns:p14="http://schemas.microsoft.com/office/powerpoint/2010/main" Requires="p14">
+      <mc:AlternateContent xmlns:mc="http://schemas.openxmlformats.org/markup-compatibility/2006" xmlns:p14="http://schemas.microsoft.com/office/powerpoint/2010/main">
+        <mc:Choice Requires="p14">
           <p:contentPart p14:bwMode="auto" r:id="rId128">
             <p14:nvContentPartPr>
               <p14:cNvPr id="2096" name="筆跡 2095">
@@ -14361,7 +14347,7 @@
             </p14:xfrm>
           </p:contentPart>
         </mc:Choice>
-        <mc:Fallback>
+        <mc:Fallback xmlns="">
           <p:pic>
             <p:nvPicPr>
               <p:cNvPr id="2096" name="筆跡 2095">
@@ -14412,8 +14398,8 @@
             <a:chExt cx="8245800" cy="471240"/>
           </a:xfrm>
         </p:grpSpPr>
-        <mc:AlternateContent xmlns:mc="http://schemas.openxmlformats.org/markup-compatibility/2006">
-          <mc:Choice xmlns:p14="http://schemas.microsoft.com/office/powerpoint/2010/main" Requires="p14">
+        <mc:AlternateContent xmlns:mc="http://schemas.openxmlformats.org/markup-compatibility/2006" xmlns:p14="http://schemas.microsoft.com/office/powerpoint/2010/main">
+          <mc:Choice Requires="p14">
             <p:contentPart p14:bwMode="auto" r:id="rId130">
               <p14:nvContentPartPr>
                 <p14:cNvPr id="2099" name="筆跡 2098">
@@ -14432,7 +14418,7 @@
               </p14:xfrm>
             </p:contentPart>
           </mc:Choice>
-          <mc:Fallback>
+          <mc:Fallback xmlns="">
             <p:pic>
               <p:nvPicPr>
                 <p:cNvPr id="2099" name="筆跡 2098">
@@ -14463,8 +14449,8 @@
             </p:pic>
           </mc:Fallback>
         </mc:AlternateContent>
-        <mc:AlternateContent xmlns:mc="http://schemas.openxmlformats.org/markup-compatibility/2006">
-          <mc:Choice xmlns:p14="http://schemas.microsoft.com/office/powerpoint/2010/main" Requires="p14">
+        <mc:AlternateContent xmlns:mc="http://schemas.openxmlformats.org/markup-compatibility/2006" xmlns:p14="http://schemas.microsoft.com/office/powerpoint/2010/main">
+          <mc:Choice Requires="p14">
             <p:contentPart p14:bwMode="auto" r:id="rId132">
               <p14:nvContentPartPr>
                 <p14:cNvPr id="2100" name="筆跡 2099">
@@ -14483,7 +14469,7 @@
               </p14:xfrm>
             </p:contentPart>
           </mc:Choice>
-          <mc:Fallback>
+          <mc:Fallback xmlns="">
             <p:pic>
               <p:nvPicPr>
                 <p:cNvPr id="2100" name="筆跡 2099">
@@ -14514,8 +14500,8 @@
             </p:pic>
           </mc:Fallback>
         </mc:AlternateContent>
-        <mc:AlternateContent xmlns:mc="http://schemas.openxmlformats.org/markup-compatibility/2006">
-          <mc:Choice xmlns:p14="http://schemas.microsoft.com/office/powerpoint/2010/main" Requires="p14">
+        <mc:AlternateContent xmlns:mc="http://schemas.openxmlformats.org/markup-compatibility/2006" xmlns:p14="http://schemas.microsoft.com/office/powerpoint/2010/main">
+          <mc:Choice Requires="p14">
             <p:contentPart p14:bwMode="auto" r:id="rId134">
               <p14:nvContentPartPr>
                 <p14:cNvPr id="2101" name="筆跡 2100">
@@ -14534,7 +14520,7 @@
               </p14:xfrm>
             </p:contentPart>
           </mc:Choice>
-          <mc:Fallback>
+          <mc:Fallback xmlns="">
             <p:pic>
               <p:nvPicPr>
                 <p:cNvPr id="2101" name="筆跡 2100">
@@ -14565,8 +14551,8 @@
             </p:pic>
           </mc:Fallback>
         </mc:AlternateContent>
-        <mc:AlternateContent xmlns:mc="http://schemas.openxmlformats.org/markup-compatibility/2006">
-          <mc:Choice xmlns:p14="http://schemas.microsoft.com/office/powerpoint/2010/main" Requires="p14">
+        <mc:AlternateContent xmlns:mc="http://schemas.openxmlformats.org/markup-compatibility/2006" xmlns:p14="http://schemas.microsoft.com/office/powerpoint/2010/main">
+          <mc:Choice Requires="p14">
             <p:contentPart p14:bwMode="auto" r:id="rId136">
               <p14:nvContentPartPr>
                 <p14:cNvPr id="2102" name="筆跡 2101">
@@ -14585,7 +14571,7 @@
               </p14:xfrm>
             </p:contentPart>
           </mc:Choice>
-          <mc:Fallback>
+          <mc:Fallback xmlns="">
             <p:pic>
               <p:nvPicPr>
                 <p:cNvPr id="2102" name="筆跡 2101">
@@ -14637,8 +14623,8 @@
             <a:chExt cx="315720" cy="235800"/>
           </a:xfrm>
         </p:grpSpPr>
-        <mc:AlternateContent xmlns:mc="http://schemas.openxmlformats.org/markup-compatibility/2006">
-          <mc:Choice xmlns:p14="http://schemas.microsoft.com/office/powerpoint/2010/main" Requires="p14">
+        <mc:AlternateContent xmlns:mc="http://schemas.openxmlformats.org/markup-compatibility/2006" xmlns:p14="http://schemas.microsoft.com/office/powerpoint/2010/main">
+          <mc:Choice Requires="p14">
             <p:contentPart p14:bwMode="auto" r:id="rId138">
               <p14:nvContentPartPr>
                 <p14:cNvPr id="2105" name="筆跡 2104">
@@ -14657,7 +14643,7 @@
               </p14:xfrm>
             </p:contentPart>
           </mc:Choice>
-          <mc:Fallback>
+          <mc:Fallback xmlns="">
             <p:pic>
               <p:nvPicPr>
                 <p:cNvPr id="2105" name="筆跡 2104">
@@ -14688,8 +14674,8 @@
             </p:pic>
           </mc:Fallback>
         </mc:AlternateContent>
-        <mc:AlternateContent xmlns:mc="http://schemas.openxmlformats.org/markup-compatibility/2006">
-          <mc:Choice xmlns:p14="http://schemas.microsoft.com/office/powerpoint/2010/main" Requires="p14">
+        <mc:AlternateContent xmlns:mc="http://schemas.openxmlformats.org/markup-compatibility/2006" xmlns:p14="http://schemas.microsoft.com/office/powerpoint/2010/main">
+          <mc:Choice Requires="p14">
             <p:contentPart p14:bwMode="auto" r:id="rId140">
               <p14:nvContentPartPr>
                 <p14:cNvPr id="2106" name="筆跡 2105">
@@ -14708,7 +14694,7 @@
               </p14:xfrm>
             </p:contentPart>
           </mc:Choice>
-          <mc:Fallback>
+          <mc:Fallback xmlns="">
             <p:pic>
               <p:nvPicPr>
                 <p:cNvPr id="2106" name="筆跡 2105">
@@ -14739,8 +14725,8 @@
             </p:pic>
           </mc:Fallback>
         </mc:AlternateContent>
-        <mc:AlternateContent xmlns:mc="http://schemas.openxmlformats.org/markup-compatibility/2006">
-          <mc:Choice xmlns:p14="http://schemas.microsoft.com/office/powerpoint/2010/main" Requires="p14">
+        <mc:AlternateContent xmlns:mc="http://schemas.openxmlformats.org/markup-compatibility/2006" xmlns:p14="http://schemas.microsoft.com/office/powerpoint/2010/main">
+          <mc:Choice Requires="p14">
             <p:contentPart p14:bwMode="auto" r:id="rId142">
               <p14:nvContentPartPr>
                 <p14:cNvPr id="2107" name="筆跡 2106">
@@ -14759,7 +14745,7 @@
               </p14:xfrm>
             </p:contentPart>
           </mc:Choice>
-          <mc:Fallback>
+          <mc:Fallback xmlns="">
             <p:pic>
               <p:nvPicPr>
                 <p:cNvPr id="2107" name="筆跡 2106">
@@ -14790,8 +14776,8 @@
             </p:pic>
           </mc:Fallback>
         </mc:AlternateContent>
-        <mc:AlternateContent xmlns:mc="http://schemas.openxmlformats.org/markup-compatibility/2006">
-          <mc:Choice xmlns:p14="http://schemas.microsoft.com/office/powerpoint/2010/main" Requires="p14">
+        <mc:AlternateContent xmlns:mc="http://schemas.openxmlformats.org/markup-compatibility/2006" xmlns:p14="http://schemas.microsoft.com/office/powerpoint/2010/main">
+          <mc:Choice Requires="p14">
             <p:contentPart p14:bwMode="auto" r:id="rId144">
               <p14:nvContentPartPr>
                 <p14:cNvPr id="2108" name="筆跡 2107">
@@ -14810,7 +14796,7 @@
               </p14:xfrm>
             </p:contentPart>
           </mc:Choice>
-          <mc:Fallback>
+          <mc:Fallback xmlns="">
             <p:pic>
               <p:nvPicPr>
                 <p:cNvPr id="2108" name="筆跡 2107">
@@ -14841,8 +14827,8 @@
             </p:pic>
           </mc:Fallback>
         </mc:AlternateContent>
-        <mc:AlternateContent xmlns:mc="http://schemas.openxmlformats.org/markup-compatibility/2006">
-          <mc:Choice xmlns:p14="http://schemas.microsoft.com/office/powerpoint/2010/main" Requires="p14">
+        <mc:AlternateContent xmlns:mc="http://schemas.openxmlformats.org/markup-compatibility/2006" xmlns:p14="http://schemas.microsoft.com/office/powerpoint/2010/main">
+          <mc:Choice Requires="p14">
             <p:contentPart p14:bwMode="auto" r:id="rId146">
               <p14:nvContentPartPr>
                 <p14:cNvPr id="2109" name="筆跡 2108">
@@ -14861,7 +14847,7 @@
               </p14:xfrm>
             </p:contentPart>
           </mc:Choice>
-          <mc:Fallback>
+          <mc:Fallback xmlns="">
             <p:pic>
               <p:nvPicPr>
                 <p:cNvPr id="2109" name="筆跡 2108">
@@ -14892,8 +14878,8 @@
             </p:pic>
           </mc:Fallback>
         </mc:AlternateContent>
-        <mc:AlternateContent xmlns:mc="http://schemas.openxmlformats.org/markup-compatibility/2006">
-          <mc:Choice xmlns:p14="http://schemas.microsoft.com/office/powerpoint/2010/main" Requires="p14">
+        <mc:AlternateContent xmlns:mc="http://schemas.openxmlformats.org/markup-compatibility/2006" xmlns:p14="http://schemas.microsoft.com/office/powerpoint/2010/main">
+          <mc:Choice Requires="p14">
             <p:contentPart p14:bwMode="auto" r:id="rId148">
               <p14:nvContentPartPr>
                 <p14:cNvPr id="2110" name="筆跡 2109">
@@ -14912,7 +14898,7 @@
               </p14:xfrm>
             </p:contentPart>
           </mc:Choice>
-          <mc:Fallback>
+          <mc:Fallback xmlns="">
             <p:pic>
               <p:nvPicPr>
                 <p:cNvPr id="2110" name="筆跡 2109">
@@ -14964,8 +14950,8 @@
             <a:chExt cx="1175040" cy="276840"/>
           </a:xfrm>
         </p:grpSpPr>
-        <mc:AlternateContent xmlns:mc="http://schemas.openxmlformats.org/markup-compatibility/2006">
-          <mc:Choice xmlns:p14="http://schemas.microsoft.com/office/powerpoint/2010/main" Requires="p14">
+        <mc:AlternateContent xmlns:mc="http://schemas.openxmlformats.org/markup-compatibility/2006" xmlns:p14="http://schemas.microsoft.com/office/powerpoint/2010/main">
+          <mc:Choice Requires="p14">
             <p:contentPart p14:bwMode="auto" r:id="rId150">
               <p14:nvContentPartPr>
                 <p14:cNvPr id="2112" name="筆跡 2111">
@@ -14984,7 +14970,7 @@
               </p14:xfrm>
             </p:contentPart>
           </mc:Choice>
-          <mc:Fallback>
+          <mc:Fallback xmlns="">
             <p:pic>
               <p:nvPicPr>
                 <p:cNvPr id="2112" name="筆跡 2111">
@@ -15015,8 +15001,8 @@
             </p:pic>
           </mc:Fallback>
         </mc:AlternateContent>
-        <mc:AlternateContent xmlns:mc="http://schemas.openxmlformats.org/markup-compatibility/2006">
-          <mc:Choice xmlns:p14="http://schemas.microsoft.com/office/powerpoint/2010/main" Requires="p14">
+        <mc:AlternateContent xmlns:mc="http://schemas.openxmlformats.org/markup-compatibility/2006" xmlns:p14="http://schemas.microsoft.com/office/powerpoint/2010/main">
+          <mc:Choice Requires="p14">
             <p:contentPart p14:bwMode="auto" r:id="rId152">
               <p14:nvContentPartPr>
                 <p14:cNvPr id="2113" name="筆跡 2112">
@@ -15035,7 +15021,7 @@
               </p14:xfrm>
             </p:contentPart>
           </mc:Choice>
-          <mc:Fallback>
+          <mc:Fallback xmlns="">
             <p:pic>
               <p:nvPicPr>
                 <p:cNvPr id="2113" name="筆跡 2112">
@@ -15066,8 +15052,8 @@
             </p:pic>
           </mc:Fallback>
         </mc:AlternateContent>
-        <mc:AlternateContent xmlns:mc="http://schemas.openxmlformats.org/markup-compatibility/2006">
-          <mc:Choice xmlns:p14="http://schemas.microsoft.com/office/powerpoint/2010/main" Requires="p14">
+        <mc:AlternateContent xmlns:mc="http://schemas.openxmlformats.org/markup-compatibility/2006" xmlns:p14="http://schemas.microsoft.com/office/powerpoint/2010/main">
+          <mc:Choice Requires="p14">
             <p:contentPart p14:bwMode="auto" r:id="rId154">
               <p14:nvContentPartPr>
                 <p14:cNvPr id="2114" name="筆跡 2113">
@@ -15086,7 +15072,7 @@
               </p14:xfrm>
             </p:contentPart>
           </mc:Choice>
-          <mc:Fallback>
+          <mc:Fallback xmlns="">
             <p:pic>
               <p:nvPicPr>
                 <p:cNvPr id="2114" name="筆跡 2113">
@@ -15117,8 +15103,8 @@
             </p:pic>
           </mc:Fallback>
         </mc:AlternateContent>
-        <mc:AlternateContent xmlns:mc="http://schemas.openxmlformats.org/markup-compatibility/2006">
-          <mc:Choice xmlns:p14="http://schemas.microsoft.com/office/powerpoint/2010/main" Requires="p14">
+        <mc:AlternateContent xmlns:mc="http://schemas.openxmlformats.org/markup-compatibility/2006" xmlns:p14="http://schemas.microsoft.com/office/powerpoint/2010/main">
+          <mc:Choice Requires="p14">
             <p:contentPart p14:bwMode="auto" r:id="rId156">
               <p14:nvContentPartPr>
                 <p14:cNvPr id="2115" name="筆跡 2114">
@@ -15137,7 +15123,7 @@
               </p14:xfrm>
             </p:contentPart>
           </mc:Choice>
-          <mc:Fallback>
+          <mc:Fallback xmlns="">
             <p:pic>
               <p:nvPicPr>
                 <p:cNvPr id="2115" name="筆跡 2114">
@@ -15168,8 +15154,8 @@
             </p:pic>
           </mc:Fallback>
         </mc:AlternateContent>
-        <mc:AlternateContent xmlns:mc="http://schemas.openxmlformats.org/markup-compatibility/2006">
-          <mc:Choice xmlns:p14="http://schemas.microsoft.com/office/powerpoint/2010/main" Requires="p14">
+        <mc:AlternateContent xmlns:mc="http://schemas.openxmlformats.org/markup-compatibility/2006" xmlns:p14="http://schemas.microsoft.com/office/powerpoint/2010/main">
+          <mc:Choice Requires="p14">
             <p:contentPart p14:bwMode="auto" r:id="rId158">
               <p14:nvContentPartPr>
                 <p14:cNvPr id="2116" name="筆跡 2115">
@@ -15188,7 +15174,7 @@
               </p14:xfrm>
             </p:contentPart>
           </mc:Choice>
-          <mc:Fallback>
+          <mc:Fallback xmlns="">
             <p:pic>
               <p:nvPicPr>
                 <p:cNvPr id="2116" name="筆跡 2115">
@@ -15219,8 +15205,8 @@
             </p:pic>
           </mc:Fallback>
         </mc:AlternateContent>
-        <mc:AlternateContent xmlns:mc="http://schemas.openxmlformats.org/markup-compatibility/2006">
-          <mc:Choice xmlns:p14="http://schemas.microsoft.com/office/powerpoint/2010/main" Requires="p14">
+        <mc:AlternateContent xmlns:mc="http://schemas.openxmlformats.org/markup-compatibility/2006" xmlns:p14="http://schemas.microsoft.com/office/powerpoint/2010/main">
+          <mc:Choice Requires="p14">
             <p:contentPart p14:bwMode="auto" r:id="rId160">
               <p14:nvContentPartPr>
                 <p14:cNvPr id="2117" name="筆跡 2116">
@@ -15239,7 +15225,7 @@
               </p14:xfrm>
             </p:contentPart>
           </mc:Choice>
-          <mc:Fallback>
+          <mc:Fallback xmlns="">
             <p:pic>
               <p:nvPicPr>
                 <p:cNvPr id="2117" name="筆跡 2116">
@@ -15270,8 +15256,8 @@
             </p:pic>
           </mc:Fallback>
         </mc:AlternateContent>
-        <mc:AlternateContent xmlns:mc="http://schemas.openxmlformats.org/markup-compatibility/2006">
-          <mc:Choice xmlns:p14="http://schemas.microsoft.com/office/powerpoint/2010/main" Requires="p14">
+        <mc:AlternateContent xmlns:mc="http://schemas.openxmlformats.org/markup-compatibility/2006" xmlns:p14="http://schemas.microsoft.com/office/powerpoint/2010/main">
+          <mc:Choice Requires="p14">
             <p:contentPart p14:bwMode="auto" r:id="rId162">
               <p14:nvContentPartPr>
                 <p14:cNvPr id="2119" name="筆跡 2118">
@@ -15290,7 +15276,7 @@
               </p14:xfrm>
             </p:contentPart>
           </mc:Choice>
-          <mc:Fallback>
+          <mc:Fallback xmlns="">
             <p:pic>
               <p:nvPicPr>
                 <p:cNvPr id="2119" name="筆跡 2118">
@@ -15321,8 +15307,8 @@
             </p:pic>
           </mc:Fallback>
         </mc:AlternateContent>
-        <mc:AlternateContent xmlns:mc="http://schemas.openxmlformats.org/markup-compatibility/2006">
-          <mc:Choice xmlns:p14="http://schemas.microsoft.com/office/powerpoint/2010/main" Requires="p14">
+        <mc:AlternateContent xmlns:mc="http://schemas.openxmlformats.org/markup-compatibility/2006" xmlns:p14="http://schemas.microsoft.com/office/powerpoint/2010/main">
+          <mc:Choice Requires="p14">
             <p:contentPart p14:bwMode="auto" r:id="rId164">
               <p14:nvContentPartPr>
                 <p14:cNvPr id="2120" name="筆跡 2119">
@@ -15341,7 +15327,7 @@
               </p14:xfrm>
             </p:contentPart>
           </mc:Choice>
-          <mc:Fallback>
+          <mc:Fallback xmlns="">
             <p:pic>
               <p:nvPicPr>
                 <p:cNvPr id="2120" name="筆跡 2119">
@@ -15372,8 +15358,8 @@
             </p:pic>
           </mc:Fallback>
         </mc:AlternateContent>
-        <mc:AlternateContent xmlns:mc="http://schemas.openxmlformats.org/markup-compatibility/2006">
-          <mc:Choice xmlns:p14="http://schemas.microsoft.com/office/powerpoint/2010/main" Requires="p14">
+        <mc:AlternateContent xmlns:mc="http://schemas.openxmlformats.org/markup-compatibility/2006" xmlns:p14="http://schemas.microsoft.com/office/powerpoint/2010/main">
+          <mc:Choice Requires="p14">
             <p:contentPart p14:bwMode="auto" r:id="rId166">
               <p14:nvContentPartPr>
                 <p14:cNvPr id="2121" name="筆跡 2120">
@@ -15392,7 +15378,7 @@
               </p14:xfrm>
             </p:contentPart>
           </mc:Choice>
-          <mc:Fallback>
+          <mc:Fallback xmlns="">
             <p:pic>
               <p:nvPicPr>
                 <p:cNvPr id="2121" name="筆跡 2120">
@@ -15423,8 +15409,8 @@
             </p:pic>
           </mc:Fallback>
         </mc:AlternateContent>
-        <mc:AlternateContent xmlns:mc="http://schemas.openxmlformats.org/markup-compatibility/2006">
-          <mc:Choice xmlns:p14="http://schemas.microsoft.com/office/powerpoint/2010/main" Requires="p14">
+        <mc:AlternateContent xmlns:mc="http://schemas.openxmlformats.org/markup-compatibility/2006" xmlns:p14="http://schemas.microsoft.com/office/powerpoint/2010/main">
+          <mc:Choice Requires="p14">
             <p:contentPart p14:bwMode="auto" r:id="rId168">
               <p14:nvContentPartPr>
                 <p14:cNvPr id="2122" name="筆跡 2121">
@@ -15443,7 +15429,7 @@
               </p14:xfrm>
             </p:contentPart>
           </mc:Choice>
-          <mc:Fallback>
+          <mc:Fallback xmlns="">
             <p:pic>
               <p:nvPicPr>
                 <p:cNvPr id="2122" name="筆跡 2121">
@@ -15474,8 +15460,8 @@
             </p:pic>
           </mc:Fallback>
         </mc:AlternateContent>
-        <mc:AlternateContent xmlns:mc="http://schemas.openxmlformats.org/markup-compatibility/2006">
-          <mc:Choice xmlns:p14="http://schemas.microsoft.com/office/powerpoint/2010/main" Requires="p14">
+        <mc:AlternateContent xmlns:mc="http://schemas.openxmlformats.org/markup-compatibility/2006" xmlns:p14="http://schemas.microsoft.com/office/powerpoint/2010/main">
+          <mc:Choice Requires="p14">
             <p:contentPart p14:bwMode="auto" r:id="rId170">
               <p14:nvContentPartPr>
                 <p14:cNvPr id="2123" name="筆跡 2122">
@@ -15494,7 +15480,7 @@
               </p14:xfrm>
             </p:contentPart>
           </mc:Choice>
-          <mc:Fallback>
+          <mc:Fallback xmlns="">
             <p:pic>
               <p:nvPicPr>
                 <p:cNvPr id="2123" name="筆跡 2122">
@@ -15546,8 +15532,8 @@
             <a:chExt cx="643320" cy="279000"/>
           </a:xfrm>
         </p:grpSpPr>
-        <mc:AlternateContent xmlns:mc="http://schemas.openxmlformats.org/markup-compatibility/2006">
-          <mc:Choice xmlns:p14="http://schemas.microsoft.com/office/powerpoint/2010/main" Requires="p14">
+        <mc:AlternateContent xmlns:mc="http://schemas.openxmlformats.org/markup-compatibility/2006" xmlns:p14="http://schemas.microsoft.com/office/powerpoint/2010/main">
+          <mc:Choice Requires="p14">
             <p:contentPart p14:bwMode="auto" r:id="rId172">
               <p14:nvContentPartPr>
                 <p14:cNvPr id="2125" name="筆跡 2124">
@@ -15566,7 +15552,7 @@
               </p14:xfrm>
             </p:contentPart>
           </mc:Choice>
-          <mc:Fallback>
+          <mc:Fallback xmlns="">
             <p:pic>
               <p:nvPicPr>
                 <p:cNvPr id="2125" name="筆跡 2124">
@@ -15597,8 +15583,8 @@
             </p:pic>
           </mc:Fallback>
         </mc:AlternateContent>
-        <mc:AlternateContent xmlns:mc="http://schemas.openxmlformats.org/markup-compatibility/2006">
-          <mc:Choice xmlns:p14="http://schemas.microsoft.com/office/powerpoint/2010/main" Requires="p14">
+        <mc:AlternateContent xmlns:mc="http://schemas.openxmlformats.org/markup-compatibility/2006" xmlns:p14="http://schemas.microsoft.com/office/powerpoint/2010/main">
+          <mc:Choice Requires="p14">
             <p:contentPart p14:bwMode="auto" r:id="rId174">
               <p14:nvContentPartPr>
                 <p14:cNvPr id="2126" name="筆跡 2125">
@@ -15617,7 +15603,7 @@
               </p14:xfrm>
             </p:contentPart>
           </mc:Choice>
-          <mc:Fallback>
+          <mc:Fallback xmlns="">
             <p:pic>
               <p:nvPicPr>
                 <p:cNvPr id="2126" name="筆跡 2125">
@@ -15648,8 +15634,8 @@
             </p:pic>
           </mc:Fallback>
         </mc:AlternateContent>
-        <mc:AlternateContent xmlns:mc="http://schemas.openxmlformats.org/markup-compatibility/2006">
-          <mc:Choice xmlns:p14="http://schemas.microsoft.com/office/powerpoint/2010/main" Requires="p14">
+        <mc:AlternateContent xmlns:mc="http://schemas.openxmlformats.org/markup-compatibility/2006" xmlns:p14="http://schemas.microsoft.com/office/powerpoint/2010/main">
+          <mc:Choice Requires="p14">
             <p:contentPart p14:bwMode="auto" r:id="rId176">
               <p14:nvContentPartPr>
                 <p14:cNvPr id="2127" name="筆跡 2126">
@@ -15668,7 +15654,7 @@
               </p14:xfrm>
             </p:contentPart>
           </mc:Choice>
-          <mc:Fallback>
+          <mc:Fallback xmlns="">
             <p:pic>
               <p:nvPicPr>
                 <p:cNvPr id="2127" name="筆跡 2126">
@@ -15699,8 +15685,8 @@
             </p:pic>
           </mc:Fallback>
         </mc:AlternateContent>
-        <mc:AlternateContent xmlns:mc="http://schemas.openxmlformats.org/markup-compatibility/2006">
-          <mc:Choice xmlns:p14="http://schemas.microsoft.com/office/powerpoint/2010/main" Requires="p14">
+        <mc:AlternateContent xmlns:mc="http://schemas.openxmlformats.org/markup-compatibility/2006" xmlns:p14="http://schemas.microsoft.com/office/powerpoint/2010/main">
+          <mc:Choice Requires="p14">
             <p:contentPart p14:bwMode="auto" r:id="rId178">
               <p14:nvContentPartPr>
                 <p14:cNvPr id="2128" name="筆跡 2127">
@@ -15719,7 +15705,7 @@
               </p14:xfrm>
             </p:contentPart>
           </mc:Choice>
-          <mc:Fallback>
+          <mc:Fallback xmlns="">
             <p:pic>
               <p:nvPicPr>
                 <p:cNvPr id="2128" name="筆跡 2127">
@@ -15750,8 +15736,8 @@
             </p:pic>
           </mc:Fallback>
         </mc:AlternateContent>
-        <mc:AlternateContent xmlns:mc="http://schemas.openxmlformats.org/markup-compatibility/2006">
-          <mc:Choice xmlns:p14="http://schemas.microsoft.com/office/powerpoint/2010/main" Requires="p14">
+        <mc:AlternateContent xmlns:mc="http://schemas.openxmlformats.org/markup-compatibility/2006" xmlns:p14="http://schemas.microsoft.com/office/powerpoint/2010/main">
+          <mc:Choice Requires="p14">
             <p:contentPart p14:bwMode="auto" r:id="rId180">
               <p14:nvContentPartPr>
                 <p14:cNvPr id="2129" name="筆跡 2128">
@@ -15770,7 +15756,7 @@
               </p14:xfrm>
             </p:contentPart>
           </mc:Choice>
-          <mc:Fallback>
+          <mc:Fallback xmlns="">
             <p:pic>
               <p:nvPicPr>
                 <p:cNvPr id="2129" name="筆跡 2128">
@@ -15801,8 +15787,8 @@
             </p:pic>
           </mc:Fallback>
         </mc:AlternateContent>
-        <mc:AlternateContent xmlns:mc="http://schemas.openxmlformats.org/markup-compatibility/2006">
-          <mc:Choice xmlns:p14="http://schemas.microsoft.com/office/powerpoint/2010/main" Requires="p14">
+        <mc:AlternateContent xmlns:mc="http://schemas.openxmlformats.org/markup-compatibility/2006" xmlns:p14="http://schemas.microsoft.com/office/powerpoint/2010/main">
+          <mc:Choice Requires="p14">
             <p:contentPart p14:bwMode="auto" r:id="rId182">
               <p14:nvContentPartPr>
                 <p14:cNvPr id="2130" name="筆跡 2129">
@@ -15821,7 +15807,7 @@
               </p14:xfrm>
             </p:contentPart>
           </mc:Choice>
-          <mc:Fallback>
+          <mc:Fallback xmlns="">
             <p:pic>
               <p:nvPicPr>
                 <p:cNvPr id="2130" name="筆跡 2129">
@@ -15852,8 +15838,8 @@
             </p:pic>
           </mc:Fallback>
         </mc:AlternateContent>
-        <mc:AlternateContent xmlns:mc="http://schemas.openxmlformats.org/markup-compatibility/2006">
-          <mc:Choice xmlns:p14="http://schemas.microsoft.com/office/powerpoint/2010/main" Requires="p14">
+        <mc:AlternateContent xmlns:mc="http://schemas.openxmlformats.org/markup-compatibility/2006" xmlns:p14="http://schemas.microsoft.com/office/powerpoint/2010/main">
+          <mc:Choice Requires="p14">
             <p:contentPart p14:bwMode="auto" r:id="rId184">
               <p14:nvContentPartPr>
                 <p14:cNvPr id="2131" name="筆跡 2130">
@@ -15872,7 +15858,7 @@
               </p14:xfrm>
             </p:contentPart>
           </mc:Choice>
-          <mc:Fallback>
+          <mc:Fallback xmlns="">
             <p:pic>
               <p:nvPicPr>
                 <p:cNvPr id="2131" name="筆跡 2130">
@@ -15903,8 +15889,8 @@
             </p:pic>
           </mc:Fallback>
         </mc:AlternateContent>
-        <mc:AlternateContent xmlns:mc="http://schemas.openxmlformats.org/markup-compatibility/2006">
-          <mc:Choice xmlns:p14="http://schemas.microsoft.com/office/powerpoint/2010/main" Requires="p14">
+        <mc:AlternateContent xmlns:mc="http://schemas.openxmlformats.org/markup-compatibility/2006" xmlns:p14="http://schemas.microsoft.com/office/powerpoint/2010/main">
+          <mc:Choice Requires="p14">
             <p:contentPart p14:bwMode="auto" r:id="rId186">
               <p14:nvContentPartPr>
                 <p14:cNvPr id="2132" name="筆跡 2131">
@@ -15923,7 +15909,7 @@
               </p14:xfrm>
             </p:contentPart>
           </mc:Choice>
-          <mc:Fallback>
+          <mc:Fallback xmlns="">
             <p:pic>
               <p:nvPicPr>
                 <p:cNvPr id="2132" name="筆跡 2131">
@@ -15954,8 +15940,8 @@
             </p:pic>
           </mc:Fallback>
         </mc:AlternateContent>
-        <mc:AlternateContent xmlns:mc="http://schemas.openxmlformats.org/markup-compatibility/2006">
-          <mc:Choice xmlns:p14="http://schemas.microsoft.com/office/powerpoint/2010/main" Requires="p14">
+        <mc:AlternateContent xmlns:mc="http://schemas.openxmlformats.org/markup-compatibility/2006" xmlns:p14="http://schemas.microsoft.com/office/powerpoint/2010/main">
+          <mc:Choice Requires="p14">
             <p:contentPart p14:bwMode="auto" r:id="rId188">
               <p14:nvContentPartPr>
                 <p14:cNvPr id="2133" name="筆跡 2132">
@@ -15974,7 +15960,7 @@
               </p14:xfrm>
             </p:contentPart>
           </mc:Choice>
-          <mc:Fallback>
+          <mc:Fallback xmlns="">
             <p:pic>
               <p:nvPicPr>
                 <p:cNvPr id="2133" name="筆跡 2132">
@@ -16026,8 +16012,8 @@
             <a:chExt cx="457200" cy="213480"/>
           </a:xfrm>
         </p:grpSpPr>
-        <mc:AlternateContent xmlns:mc="http://schemas.openxmlformats.org/markup-compatibility/2006">
-          <mc:Choice xmlns:p14="http://schemas.microsoft.com/office/powerpoint/2010/main" Requires="p14">
+        <mc:AlternateContent xmlns:mc="http://schemas.openxmlformats.org/markup-compatibility/2006" xmlns:p14="http://schemas.microsoft.com/office/powerpoint/2010/main">
+          <mc:Choice Requires="p14">
             <p:contentPart p14:bwMode="auto" r:id="rId190">
               <p14:nvContentPartPr>
                 <p14:cNvPr id="2134" name="筆跡 2133">
@@ -16046,7 +16032,7 @@
               </p14:xfrm>
             </p:contentPart>
           </mc:Choice>
-          <mc:Fallback>
+          <mc:Fallback xmlns="">
             <p:pic>
               <p:nvPicPr>
                 <p:cNvPr id="2134" name="筆跡 2133">
@@ -16077,8 +16063,8 @@
             </p:pic>
           </mc:Fallback>
         </mc:AlternateContent>
-        <mc:AlternateContent xmlns:mc="http://schemas.openxmlformats.org/markup-compatibility/2006">
-          <mc:Choice xmlns:p14="http://schemas.microsoft.com/office/powerpoint/2010/main" Requires="p14">
+        <mc:AlternateContent xmlns:mc="http://schemas.openxmlformats.org/markup-compatibility/2006" xmlns:p14="http://schemas.microsoft.com/office/powerpoint/2010/main">
+          <mc:Choice Requires="p14">
             <p:contentPart p14:bwMode="auto" r:id="rId192">
               <p14:nvContentPartPr>
                 <p14:cNvPr id="2135" name="筆跡 2134">
@@ -16097,7 +16083,7 @@
               </p14:xfrm>
             </p:contentPart>
           </mc:Choice>
-          <mc:Fallback>
+          <mc:Fallback xmlns="">
             <p:pic>
               <p:nvPicPr>
                 <p:cNvPr id="2135" name="筆跡 2134">
@@ -16128,8 +16114,8 @@
             </p:pic>
           </mc:Fallback>
         </mc:AlternateContent>
-        <mc:AlternateContent xmlns:mc="http://schemas.openxmlformats.org/markup-compatibility/2006">
-          <mc:Choice xmlns:p14="http://schemas.microsoft.com/office/powerpoint/2010/main" Requires="p14">
+        <mc:AlternateContent xmlns:mc="http://schemas.openxmlformats.org/markup-compatibility/2006" xmlns:p14="http://schemas.microsoft.com/office/powerpoint/2010/main">
+          <mc:Choice Requires="p14">
             <p:contentPart p14:bwMode="auto" r:id="rId194">
               <p14:nvContentPartPr>
                 <p14:cNvPr id="2138" name="筆跡 2137">
@@ -16148,7 +16134,7 @@
               </p14:xfrm>
             </p:contentPart>
           </mc:Choice>
-          <mc:Fallback>
+          <mc:Fallback xmlns="">
             <p:pic>
               <p:nvPicPr>
                 <p:cNvPr id="2138" name="筆跡 2137">
@@ -16179,8 +16165,8 @@
             </p:pic>
           </mc:Fallback>
         </mc:AlternateContent>
-        <mc:AlternateContent xmlns:mc="http://schemas.openxmlformats.org/markup-compatibility/2006">
-          <mc:Choice xmlns:p14="http://schemas.microsoft.com/office/powerpoint/2010/main" Requires="p14">
+        <mc:AlternateContent xmlns:mc="http://schemas.openxmlformats.org/markup-compatibility/2006" xmlns:p14="http://schemas.microsoft.com/office/powerpoint/2010/main">
+          <mc:Choice Requires="p14">
             <p:contentPart p14:bwMode="auto" r:id="rId196">
               <p14:nvContentPartPr>
                 <p14:cNvPr id="2139" name="筆跡 2138">
@@ -16199,7 +16185,7 @@
               </p14:xfrm>
             </p:contentPart>
           </mc:Choice>
-          <mc:Fallback>
+          <mc:Fallback xmlns="">
             <p:pic>
               <p:nvPicPr>
                 <p:cNvPr id="2139" name="筆跡 2138">
@@ -16230,8 +16216,8 @@
             </p:pic>
           </mc:Fallback>
         </mc:AlternateContent>
-        <mc:AlternateContent xmlns:mc="http://schemas.openxmlformats.org/markup-compatibility/2006">
-          <mc:Choice xmlns:p14="http://schemas.microsoft.com/office/powerpoint/2010/main" Requires="p14">
+        <mc:AlternateContent xmlns:mc="http://schemas.openxmlformats.org/markup-compatibility/2006" xmlns:p14="http://schemas.microsoft.com/office/powerpoint/2010/main">
+          <mc:Choice Requires="p14">
             <p:contentPart p14:bwMode="auto" r:id="rId198">
               <p14:nvContentPartPr>
                 <p14:cNvPr id="2140" name="筆跡 2139">
@@ -16250,7 +16236,7 @@
               </p14:xfrm>
             </p:contentPart>
           </mc:Choice>
-          <mc:Fallback>
+          <mc:Fallback xmlns="">
             <p:pic>
               <p:nvPicPr>
                 <p:cNvPr id="2140" name="筆跡 2139">
@@ -16281,8 +16267,8 @@
             </p:pic>
           </mc:Fallback>
         </mc:AlternateContent>
-        <mc:AlternateContent xmlns:mc="http://schemas.openxmlformats.org/markup-compatibility/2006">
-          <mc:Choice xmlns:p14="http://schemas.microsoft.com/office/powerpoint/2010/main" Requires="p14">
+        <mc:AlternateContent xmlns:mc="http://schemas.openxmlformats.org/markup-compatibility/2006" xmlns:p14="http://schemas.microsoft.com/office/powerpoint/2010/main">
+          <mc:Choice Requires="p14">
             <p:contentPart p14:bwMode="auto" r:id="rId200">
               <p14:nvContentPartPr>
                 <p14:cNvPr id="2141" name="筆跡 2140">
@@ -16301,7 +16287,7 @@
               </p14:xfrm>
             </p:contentPart>
           </mc:Choice>
-          <mc:Fallback>
+          <mc:Fallback xmlns="">
             <p:pic>
               <p:nvPicPr>
                 <p:cNvPr id="2141" name="筆跡 2140">
@@ -16332,8 +16318,8 @@
             </p:pic>
           </mc:Fallback>
         </mc:AlternateContent>
-        <mc:AlternateContent xmlns:mc="http://schemas.openxmlformats.org/markup-compatibility/2006">
-          <mc:Choice xmlns:p14="http://schemas.microsoft.com/office/powerpoint/2010/main" Requires="p14">
+        <mc:AlternateContent xmlns:mc="http://schemas.openxmlformats.org/markup-compatibility/2006" xmlns:p14="http://schemas.microsoft.com/office/powerpoint/2010/main">
+          <mc:Choice Requires="p14">
             <p:contentPart p14:bwMode="auto" r:id="rId202">
               <p14:nvContentPartPr>
                 <p14:cNvPr id="2142" name="筆跡 2141">
@@ -16352,7 +16338,7 @@
               </p14:xfrm>
             </p:contentPart>
           </mc:Choice>
-          <mc:Fallback>
+          <mc:Fallback xmlns="">
             <p:pic>
               <p:nvPicPr>
                 <p:cNvPr id="2142" name="筆跡 2141">
@@ -16404,8 +16390,8 @@
             <a:chExt cx="1276560" cy="293760"/>
           </a:xfrm>
         </p:grpSpPr>
-        <mc:AlternateContent xmlns:mc="http://schemas.openxmlformats.org/markup-compatibility/2006">
-          <mc:Choice xmlns:p14="http://schemas.microsoft.com/office/powerpoint/2010/main" Requires="p14">
+        <mc:AlternateContent xmlns:mc="http://schemas.openxmlformats.org/markup-compatibility/2006" xmlns:p14="http://schemas.microsoft.com/office/powerpoint/2010/main">
+          <mc:Choice Requires="p14">
             <p:contentPart p14:bwMode="auto" r:id="rId204">
               <p14:nvContentPartPr>
                 <p14:cNvPr id="2144" name="筆跡 2143">
@@ -16424,7 +16410,7 @@
               </p14:xfrm>
             </p:contentPart>
           </mc:Choice>
-          <mc:Fallback>
+          <mc:Fallback xmlns="">
             <p:pic>
               <p:nvPicPr>
                 <p:cNvPr id="2144" name="筆跡 2143">
@@ -16455,8 +16441,8 @@
             </p:pic>
           </mc:Fallback>
         </mc:AlternateContent>
-        <mc:AlternateContent xmlns:mc="http://schemas.openxmlformats.org/markup-compatibility/2006">
-          <mc:Choice xmlns:p14="http://schemas.microsoft.com/office/powerpoint/2010/main" Requires="p14">
+        <mc:AlternateContent xmlns:mc="http://schemas.openxmlformats.org/markup-compatibility/2006" xmlns:p14="http://schemas.microsoft.com/office/powerpoint/2010/main">
+          <mc:Choice Requires="p14">
             <p:contentPart p14:bwMode="auto" r:id="rId206">
               <p14:nvContentPartPr>
                 <p14:cNvPr id="2145" name="筆跡 2144">
@@ -16475,7 +16461,7 @@
               </p14:xfrm>
             </p:contentPart>
           </mc:Choice>
-          <mc:Fallback>
+          <mc:Fallback xmlns="">
             <p:pic>
               <p:nvPicPr>
                 <p:cNvPr id="2145" name="筆跡 2144">
@@ -16506,8 +16492,8 @@
             </p:pic>
           </mc:Fallback>
         </mc:AlternateContent>
-        <mc:AlternateContent xmlns:mc="http://schemas.openxmlformats.org/markup-compatibility/2006">
-          <mc:Choice xmlns:p14="http://schemas.microsoft.com/office/powerpoint/2010/main" Requires="p14">
+        <mc:AlternateContent xmlns:mc="http://schemas.openxmlformats.org/markup-compatibility/2006" xmlns:p14="http://schemas.microsoft.com/office/powerpoint/2010/main">
+          <mc:Choice Requires="p14">
             <p:contentPart p14:bwMode="auto" r:id="rId208">
               <p14:nvContentPartPr>
                 <p14:cNvPr id="2146" name="筆跡 2145">
@@ -16526,7 +16512,7 @@
               </p14:xfrm>
             </p:contentPart>
           </mc:Choice>
-          <mc:Fallback>
+          <mc:Fallback xmlns="">
             <p:pic>
               <p:nvPicPr>
                 <p:cNvPr id="2146" name="筆跡 2145">
@@ -16557,8 +16543,8 @@
             </p:pic>
           </mc:Fallback>
         </mc:AlternateContent>
-        <mc:AlternateContent xmlns:mc="http://schemas.openxmlformats.org/markup-compatibility/2006">
-          <mc:Choice xmlns:p14="http://schemas.microsoft.com/office/powerpoint/2010/main" Requires="p14">
+        <mc:AlternateContent xmlns:mc="http://schemas.openxmlformats.org/markup-compatibility/2006" xmlns:p14="http://schemas.microsoft.com/office/powerpoint/2010/main">
+          <mc:Choice Requires="p14">
             <p:contentPart p14:bwMode="auto" r:id="rId210">
               <p14:nvContentPartPr>
                 <p14:cNvPr id="2147" name="筆跡 2146">
@@ -16577,7 +16563,7 @@
               </p14:xfrm>
             </p:contentPart>
           </mc:Choice>
-          <mc:Fallback>
+          <mc:Fallback xmlns="">
             <p:pic>
               <p:nvPicPr>
                 <p:cNvPr id="2147" name="筆跡 2146">
@@ -16608,8 +16594,8 @@
             </p:pic>
           </mc:Fallback>
         </mc:AlternateContent>
-        <mc:AlternateContent xmlns:mc="http://schemas.openxmlformats.org/markup-compatibility/2006">
-          <mc:Choice xmlns:p14="http://schemas.microsoft.com/office/powerpoint/2010/main" Requires="p14">
+        <mc:AlternateContent xmlns:mc="http://schemas.openxmlformats.org/markup-compatibility/2006" xmlns:p14="http://schemas.microsoft.com/office/powerpoint/2010/main">
+          <mc:Choice Requires="p14">
             <p:contentPart p14:bwMode="auto" r:id="rId212">
               <p14:nvContentPartPr>
                 <p14:cNvPr id="2148" name="筆跡 2147">
@@ -16628,7 +16614,7 @@
               </p14:xfrm>
             </p:contentPart>
           </mc:Choice>
-          <mc:Fallback>
+          <mc:Fallback xmlns="">
             <p:pic>
               <p:nvPicPr>
                 <p:cNvPr id="2148" name="筆跡 2147">
@@ -16659,8 +16645,8 @@
             </p:pic>
           </mc:Fallback>
         </mc:AlternateContent>
-        <mc:AlternateContent xmlns:mc="http://schemas.openxmlformats.org/markup-compatibility/2006">
-          <mc:Choice xmlns:p14="http://schemas.microsoft.com/office/powerpoint/2010/main" Requires="p14">
+        <mc:AlternateContent xmlns:mc="http://schemas.openxmlformats.org/markup-compatibility/2006" xmlns:p14="http://schemas.microsoft.com/office/powerpoint/2010/main">
+          <mc:Choice Requires="p14">
             <p:contentPart p14:bwMode="auto" r:id="rId214">
               <p14:nvContentPartPr>
                 <p14:cNvPr id="2149" name="筆跡 2148">
@@ -16679,7 +16665,7 @@
               </p14:xfrm>
             </p:contentPart>
           </mc:Choice>
-          <mc:Fallback>
+          <mc:Fallback xmlns="">
             <p:pic>
               <p:nvPicPr>
                 <p:cNvPr id="2149" name="筆跡 2148">
@@ -16710,8 +16696,8 @@
             </p:pic>
           </mc:Fallback>
         </mc:AlternateContent>
-        <mc:AlternateContent xmlns:mc="http://schemas.openxmlformats.org/markup-compatibility/2006">
-          <mc:Choice xmlns:p14="http://schemas.microsoft.com/office/powerpoint/2010/main" Requires="p14">
+        <mc:AlternateContent xmlns:mc="http://schemas.openxmlformats.org/markup-compatibility/2006" xmlns:p14="http://schemas.microsoft.com/office/powerpoint/2010/main">
+          <mc:Choice Requires="p14">
             <p:contentPart p14:bwMode="auto" r:id="rId216">
               <p14:nvContentPartPr>
                 <p14:cNvPr id="2151" name="筆跡 2150">
@@ -16730,7 +16716,7 @@
               </p14:xfrm>
             </p:contentPart>
           </mc:Choice>
-          <mc:Fallback>
+          <mc:Fallback xmlns="">
             <p:pic>
               <p:nvPicPr>
                 <p:cNvPr id="2151" name="筆跡 2150">
@@ -16761,8 +16747,8 @@
             </p:pic>
           </mc:Fallback>
         </mc:AlternateContent>
-        <mc:AlternateContent xmlns:mc="http://schemas.openxmlformats.org/markup-compatibility/2006">
-          <mc:Choice xmlns:p14="http://schemas.microsoft.com/office/powerpoint/2010/main" Requires="p14">
+        <mc:AlternateContent xmlns:mc="http://schemas.openxmlformats.org/markup-compatibility/2006" xmlns:p14="http://schemas.microsoft.com/office/powerpoint/2010/main">
+          <mc:Choice Requires="p14">
             <p:contentPart p14:bwMode="auto" r:id="rId218">
               <p14:nvContentPartPr>
                 <p14:cNvPr id="2152" name="筆跡 2151">
@@ -16781,7 +16767,7 @@
               </p14:xfrm>
             </p:contentPart>
           </mc:Choice>
-          <mc:Fallback>
+          <mc:Fallback xmlns="">
             <p:pic>
               <p:nvPicPr>
                 <p:cNvPr id="2152" name="筆跡 2151">
@@ -16812,8 +16798,8 @@
             </p:pic>
           </mc:Fallback>
         </mc:AlternateContent>
-        <mc:AlternateContent xmlns:mc="http://schemas.openxmlformats.org/markup-compatibility/2006">
-          <mc:Choice xmlns:p14="http://schemas.microsoft.com/office/powerpoint/2010/main" Requires="p14">
+        <mc:AlternateContent xmlns:mc="http://schemas.openxmlformats.org/markup-compatibility/2006" xmlns:p14="http://schemas.microsoft.com/office/powerpoint/2010/main">
+          <mc:Choice Requires="p14">
             <p:contentPart p14:bwMode="auto" r:id="rId220">
               <p14:nvContentPartPr>
                 <p14:cNvPr id="2154" name="筆跡 2153">
@@ -16832,7 +16818,7 @@
               </p14:xfrm>
             </p:contentPart>
           </mc:Choice>
-          <mc:Fallback>
+          <mc:Fallback xmlns="">
             <p:pic>
               <p:nvPicPr>
                 <p:cNvPr id="2154" name="筆跡 2153">
@@ -16863,8 +16849,8 @@
             </p:pic>
           </mc:Fallback>
         </mc:AlternateContent>
-        <mc:AlternateContent xmlns:mc="http://schemas.openxmlformats.org/markup-compatibility/2006">
-          <mc:Choice xmlns:p14="http://schemas.microsoft.com/office/powerpoint/2010/main" Requires="p14">
+        <mc:AlternateContent xmlns:mc="http://schemas.openxmlformats.org/markup-compatibility/2006" xmlns:p14="http://schemas.microsoft.com/office/powerpoint/2010/main">
+          <mc:Choice Requires="p14">
             <p:contentPart p14:bwMode="auto" r:id="rId222">
               <p14:nvContentPartPr>
                 <p14:cNvPr id="2155" name="筆跡 2154">
@@ -16883,7 +16869,7 @@
               </p14:xfrm>
             </p:contentPart>
           </mc:Choice>
-          <mc:Fallback>
+          <mc:Fallback xmlns="">
             <p:pic>
               <p:nvPicPr>
                 <p:cNvPr id="2155" name="筆跡 2154">
@@ -16914,8 +16900,8 @@
             </p:pic>
           </mc:Fallback>
         </mc:AlternateContent>
-        <mc:AlternateContent xmlns:mc="http://schemas.openxmlformats.org/markup-compatibility/2006">
-          <mc:Choice xmlns:p14="http://schemas.microsoft.com/office/powerpoint/2010/main" Requires="p14">
+        <mc:AlternateContent xmlns:mc="http://schemas.openxmlformats.org/markup-compatibility/2006" xmlns:p14="http://schemas.microsoft.com/office/powerpoint/2010/main">
+          <mc:Choice Requires="p14">
             <p:contentPart p14:bwMode="auto" r:id="rId224">
               <p14:nvContentPartPr>
                 <p14:cNvPr id="2156" name="筆跡 2155">
@@ -16934,7 +16920,7 @@
               </p14:xfrm>
             </p:contentPart>
           </mc:Choice>
-          <mc:Fallback>
+          <mc:Fallback xmlns="">
             <p:pic>
               <p:nvPicPr>
                 <p:cNvPr id="2156" name="筆跡 2155">
@@ -16965,8 +16951,8 @@
             </p:pic>
           </mc:Fallback>
         </mc:AlternateContent>
-        <mc:AlternateContent xmlns:mc="http://schemas.openxmlformats.org/markup-compatibility/2006">
-          <mc:Choice xmlns:p14="http://schemas.microsoft.com/office/powerpoint/2010/main" Requires="p14">
+        <mc:AlternateContent xmlns:mc="http://schemas.openxmlformats.org/markup-compatibility/2006" xmlns:p14="http://schemas.microsoft.com/office/powerpoint/2010/main">
+          <mc:Choice Requires="p14">
             <p:contentPart p14:bwMode="auto" r:id="rId226">
               <p14:nvContentPartPr>
                 <p14:cNvPr id="2157" name="筆跡 2156">
@@ -16985,7 +16971,7 @@
               </p14:xfrm>
             </p:contentPart>
           </mc:Choice>
-          <mc:Fallback>
+          <mc:Fallback xmlns="">
             <p:pic>
               <p:nvPicPr>
                 <p:cNvPr id="2157" name="筆跡 2156">
@@ -17016,8 +17002,8 @@
             </p:pic>
           </mc:Fallback>
         </mc:AlternateContent>
-        <mc:AlternateContent xmlns:mc="http://schemas.openxmlformats.org/markup-compatibility/2006">
-          <mc:Choice xmlns:p14="http://schemas.microsoft.com/office/powerpoint/2010/main" Requires="p14">
+        <mc:AlternateContent xmlns:mc="http://schemas.openxmlformats.org/markup-compatibility/2006" xmlns:p14="http://schemas.microsoft.com/office/powerpoint/2010/main">
+          <mc:Choice Requires="p14">
             <p:contentPart p14:bwMode="auto" r:id="rId228">
               <p14:nvContentPartPr>
                 <p14:cNvPr id="2158" name="筆跡 2157">
@@ -17036,7 +17022,7 @@
               </p14:xfrm>
             </p:contentPart>
           </mc:Choice>
-          <mc:Fallback>
+          <mc:Fallback xmlns="">
             <p:pic>
               <p:nvPicPr>
                 <p:cNvPr id="2158" name="筆跡 2157">
@@ -17067,8 +17053,8 @@
             </p:pic>
           </mc:Fallback>
         </mc:AlternateContent>
-        <mc:AlternateContent xmlns:mc="http://schemas.openxmlformats.org/markup-compatibility/2006">
-          <mc:Choice xmlns:p14="http://schemas.microsoft.com/office/powerpoint/2010/main" Requires="p14">
+        <mc:AlternateContent xmlns:mc="http://schemas.openxmlformats.org/markup-compatibility/2006" xmlns:p14="http://schemas.microsoft.com/office/powerpoint/2010/main">
+          <mc:Choice Requires="p14">
             <p:contentPart p14:bwMode="auto" r:id="rId230">
               <p14:nvContentPartPr>
                 <p14:cNvPr id="2159" name="筆跡 2158">
@@ -17087,7 +17073,7 @@
               </p14:xfrm>
             </p:contentPart>
           </mc:Choice>
-          <mc:Fallback>
+          <mc:Fallback xmlns="">
             <p:pic>
               <p:nvPicPr>
                 <p:cNvPr id="2159" name="筆跡 2158">
@@ -17139,8 +17125,8 @@
             <a:chExt cx="728640" cy="297360"/>
           </a:xfrm>
         </p:grpSpPr>
-        <mc:AlternateContent xmlns:mc="http://schemas.openxmlformats.org/markup-compatibility/2006">
-          <mc:Choice xmlns:p14="http://schemas.microsoft.com/office/powerpoint/2010/main" Requires="p14">
+        <mc:AlternateContent xmlns:mc="http://schemas.openxmlformats.org/markup-compatibility/2006" xmlns:p14="http://schemas.microsoft.com/office/powerpoint/2010/main">
+          <mc:Choice Requires="p14">
             <p:contentPart p14:bwMode="auto" r:id="rId232">
               <p14:nvContentPartPr>
                 <p14:cNvPr id="2161" name="筆跡 2160">
@@ -17159,7 +17145,7 @@
               </p14:xfrm>
             </p:contentPart>
           </mc:Choice>
-          <mc:Fallback>
+          <mc:Fallback xmlns="">
             <p:pic>
               <p:nvPicPr>
                 <p:cNvPr id="2161" name="筆跡 2160">
@@ -17190,8 +17176,8 @@
             </p:pic>
           </mc:Fallback>
         </mc:AlternateContent>
-        <mc:AlternateContent xmlns:mc="http://schemas.openxmlformats.org/markup-compatibility/2006">
-          <mc:Choice xmlns:p14="http://schemas.microsoft.com/office/powerpoint/2010/main" Requires="p14">
+        <mc:AlternateContent xmlns:mc="http://schemas.openxmlformats.org/markup-compatibility/2006" xmlns:p14="http://schemas.microsoft.com/office/powerpoint/2010/main">
+          <mc:Choice Requires="p14">
             <p:contentPart p14:bwMode="auto" r:id="rId234">
               <p14:nvContentPartPr>
                 <p14:cNvPr id="2162" name="筆跡 2161">
@@ -17210,7 +17196,7 @@
               </p14:xfrm>
             </p:contentPart>
           </mc:Choice>
-          <mc:Fallback>
+          <mc:Fallback xmlns="">
             <p:pic>
               <p:nvPicPr>
                 <p:cNvPr id="2162" name="筆跡 2161">
@@ -17241,8 +17227,8 @@
             </p:pic>
           </mc:Fallback>
         </mc:AlternateContent>
-        <mc:AlternateContent xmlns:mc="http://schemas.openxmlformats.org/markup-compatibility/2006">
-          <mc:Choice xmlns:p14="http://schemas.microsoft.com/office/powerpoint/2010/main" Requires="p14">
+        <mc:AlternateContent xmlns:mc="http://schemas.openxmlformats.org/markup-compatibility/2006" xmlns:p14="http://schemas.microsoft.com/office/powerpoint/2010/main">
+          <mc:Choice Requires="p14">
             <p:contentPart p14:bwMode="auto" r:id="rId236">
               <p14:nvContentPartPr>
                 <p14:cNvPr id="2164" name="筆跡 2163">
@@ -17261,7 +17247,7 @@
               </p14:xfrm>
             </p:contentPart>
           </mc:Choice>
-          <mc:Fallback>
+          <mc:Fallback xmlns="">
             <p:pic>
               <p:nvPicPr>
                 <p:cNvPr id="2164" name="筆跡 2163">
@@ -17292,8 +17278,8 @@
             </p:pic>
           </mc:Fallback>
         </mc:AlternateContent>
-        <mc:AlternateContent xmlns:mc="http://schemas.openxmlformats.org/markup-compatibility/2006">
-          <mc:Choice xmlns:p14="http://schemas.microsoft.com/office/powerpoint/2010/main" Requires="p14">
+        <mc:AlternateContent xmlns:mc="http://schemas.openxmlformats.org/markup-compatibility/2006" xmlns:p14="http://schemas.microsoft.com/office/powerpoint/2010/main">
+          <mc:Choice Requires="p14">
             <p:contentPart p14:bwMode="auto" r:id="rId238">
               <p14:nvContentPartPr>
                 <p14:cNvPr id="2165" name="筆跡 2164">
@@ -17312,7 +17298,7 @@
               </p14:xfrm>
             </p:contentPart>
           </mc:Choice>
-          <mc:Fallback>
+          <mc:Fallback xmlns="">
             <p:pic>
               <p:nvPicPr>
                 <p:cNvPr id="2165" name="筆跡 2164">
@@ -17343,8 +17329,8 @@
             </p:pic>
           </mc:Fallback>
         </mc:AlternateContent>
-        <mc:AlternateContent xmlns:mc="http://schemas.openxmlformats.org/markup-compatibility/2006">
-          <mc:Choice xmlns:p14="http://schemas.microsoft.com/office/powerpoint/2010/main" Requires="p14">
+        <mc:AlternateContent xmlns:mc="http://schemas.openxmlformats.org/markup-compatibility/2006" xmlns:p14="http://schemas.microsoft.com/office/powerpoint/2010/main">
+          <mc:Choice Requires="p14">
             <p:contentPart p14:bwMode="auto" r:id="rId240">
               <p14:nvContentPartPr>
                 <p14:cNvPr id="2170" name="筆跡 2169">
@@ -17363,7 +17349,7 @@
               </p14:xfrm>
             </p:contentPart>
           </mc:Choice>
-          <mc:Fallback>
+          <mc:Fallback xmlns="">
             <p:pic>
               <p:nvPicPr>
                 <p:cNvPr id="2170" name="筆跡 2169">
@@ -17394,8 +17380,8 @@
             </p:pic>
           </mc:Fallback>
         </mc:AlternateContent>
-        <mc:AlternateContent xmlns:mc="http://schemas.openxmlformats.org/markup-compatibility/2006">
-          <mc:Choice xmlns:p14="http://schemas.microsoft.com/office/powerpoint/2010/main" Requires="p14">
+        <mc:AlternateContent xmlns:mc="http://schemas.openxmlformats.org/markup-compatibility/2006" xmlns:p14="http://schemas.microsoft.com/office/powerpoint/2010/main">
+          <mc:Choice Requires="p14">
             <p:contentPart p14:bwMode="auto" r:id="rId242">
               <p14:nvContentPartPr>
                 <p14:cNvPr id="2171" name="筆跡 2170">
@@ -17414,7 +17400,7 @@
               </p14:xfrm>
             </p:contentPart>
           </mc:Choice>
-          <mc:Fallback>
+          <mc:Fallback xmlns="">
             <p:pic>
               <p:nvPicPr>
                 <p:cNvPr id="2171" name="筆跡 2170">
@@ -17445,8 +17431,8 @@
             </p:pic>
           </mc:Fallback>
         </mc:AlternateContent>
-        <mc:AlternateContent xmlns:mc="http://schemas.openxmlformats.org/markup-compatibility/2006">
-          <mc:Choice xmlns:p14="http://schemas.microsoft.com/office/powerpoint/2010/main" Requires="p14">
+        <mc:AlternateContent xmlns:mc="http://schemas.openxmlformats.org/markup-compatibility/2006" xmlns:p14="http://schemas.microsoft.com/office/powerpoint/2010/main">
+          <mc:Choice Requires="p14">
             <p:contentPart p14:bwMode="auto" r:id="rId244">
               <p14:nvContentPartPr>
                 <p14:cNvPr id="2172" name="筆跡 2171">
@@ -17465,7 +17451,7 @@
               </p14:xfrm>
             </p:contentPart>
           </mc:Choice>
-          <mc:Fallback>
+          <mc:Fallback xmlns="">
             <p:pic>
               <p:nvPicPr>
                 <p:cNvPr id="2172" name="筆跡 2171">
@@ -17517,8 +17503,8 @@
             <a:chExt cx="673560" cy="265320"/>
           </a:xfrm>
         </p:grpSpPr>
-        <mc:AlternateContent xmlns:mc="http://schemas.openxmlformats.org/markup-compatibility/2006">
-          <mc:Choice xmlns:p14="http://schemas.microsoft.com/office/powerpoint/2010/main" Requires="p14">
+        <mc:AlternateContent xmlns:mc="http://schemas.openxmlformats.org/markup-compatibility/2006" xmlns:p14="http://schemas.microsoft.com/office/powerpoint/2010/main">
+          <mc:Choice Requires="p14">
             <p:contentPart p14:bwMode="auto" r:id="rId246">
               <p14:nvContentPartPr>
                 <p14:cNvPr id="2174" name="筆跡 2173">
@@ -17537,7 +17523,7 @@
               </p14:xfrm>
             </p:contentPart>
           </mc:Choice>
-          <mc:Fallback>
+          <mc:Fallback xmlns="">
             <p:pic>
               <p:nvPicPr>
                 <p:cNvPr id="2174" name="筆跡 2173">
@@ -17568,8 +17554,8 @@
             </p:pic>
           </mc:Fallback>
         </mc:AlternateContent>
-        <mc:AlternateContent xmlns:mc="http://schemas.openxmlformats.org/markup-compatibility/2006">
-          <mc:Choice xmlns:p14="http://schemas.microsoft.com/office/powerpoint/2010/main" Requires="p14">
+        <mc:AlternateContent xmlns:mc="http://schemas.openxmlformats.org/markup-compatibility/2006" xmlns:p14="http://schemas.microsoft.com/office/powerpoint/2010/main">
+          <mc:Choice Requires="p14">
             <p:contentPart p14:bwMode="auto" r:id="rId248">
               <p14:nvContentPartPr>
                 <p14:cNvPr id="2175" name="筆跡 2174">
@@ -17588,7 +17574,7 @@
               </p14:xfrm>
             </p:contentPart>
           </mc:Choice>
-          <mc:Fallback>
+          <mc:Fallback xmlns="">
             <p:pic>
               <p:nvPicPr>
                 <p:cNvPr id="2175" name="筆跡 2174">
@@ -17619,8 +17605,8 @@
             </p:pic>
           </mc:Fallback>
         </mc:AlternateContent>
-        <mc:AlternateContent xmlns:mc="http://schemas.openxmlformats.org/markup-compatibility/2006">
-          <mc:Choice xmlns:p14="http://schemas.microsoft.com/office/powerpoint/2010/main" Requires="p14">
+        <mc:AlternateContent xmlns:mc="http://schemas.openxmlformats.org/markup-compatibility/2006" xmlns:p14="http://schemas.microsoft.com/office/powerpoint/2010/main">
+          <mc:Choice Requires="p14">
             <p:contentPart p14:bwMode="auto" r:id="rId250">
               <p14:nvContentPartPr>
                 <p14:cNvPr id="2176" name="筆跡 2175">
@@ -17639,7 +17625,7 @@
               </p14:xfrm>
             </p:contentPart>
           </mc:Choice>
-          <mc:Fallback>
+          <mc:Fallback xmlns="">
             <p:pic>
               <p:nvPicPr>
                 <p:cNvPr id="2176" name="筆跡 2175">
@@ -17670,8 +17656,8 @@
             </p:pic>
           </mc:Fallback>
         </mc:AlternateContent>
-        <mc:AlternateContent xmlns:mc="http://schemas.openxmlformats.org/markup-compatibility/2006">
-          <mc:Choice xmlns:p14="http://schemas.microsoft.com/office/powerpoint/2010/main" Requires="p14">
+        <mc:AlternateContent xmlns:mc="http://schemas.openxmlformats.org/markup-compatibility/2006" xmlns:p14="http://schemas.microsoft.com/office/powerpoint/2010/main">
+          <mc:Choice Requires="p14">
             <p:contentPart p14:bwMode="auto" r:id="rId252">
               <p14:nvContentPartPr>
                 <p14:cNvPr id="2177" name="筆跡 2176">
@@ -17690,7 +17676,7 @@
               </p14:xfrm>
             </p:contentPart>
           </mc:Choice>
-          <mc:Fallback>
+          <mc:Fallback xmlns="">
             <p:pic>
               <p:nvPicPr>
                 <p:cNvPr id="2177" name="筆跡 2176">
@@ -17721,8 +17707,8 @@
             </p:pic>
           </mc:Fallback>
         </mc:AlternateContent>
-        <mc:AlternateContent xmlns:mc="http://schemas.openxmlformats.org/markup-compatibility/2006">
-          <mc:Choice xmlns:p14="http://schemas.microsoft.com/office/powerpoint/2010/main" Requires="p14">
+        <mc:AlternateContent xmlns:mc="http://schemas.openxmlformats.org/markup-compatibility/2006" xmlns:p14="http://schemas.microsoft.com/office/powerpoint/2010/main">
+          <mc:Choice Requires="p14">
             <p:contentPart p14:bwMode="auto" r:id="rId254">
               <p14:nvContentPartPr>
                 <p14:cNvPr id="2178" name="筆跡 2177">
@@ -17741,7 +17727,7 @@
               </p14:xfrm>
             </p:contentPart>
           </mc:Choice>
-          <mc:Fallback>
+          <mc:Fallback xmlns="">
             <p:pic>
               <p:nvPicPr>
                 <p:cNvPr id="2178" name="筆跡 2177">
@@ -17772,8 +17758,8 @@
             </p:pic>
           </mc:Fallback>
         </mc:AlternateContent>
-        <mc:AlternateContent xmlns:mc="http://schemas.openxmlformats.org/markup-compatibility/2006">
-          <mc:Choice xmlns:p14="http://schemas.microsoft.com/office/powerpoint/2010/main" Requires="p14">
+        <mc:AlternateContent xmlns:mc="http://schemas.openxmlformats.org/markup-compatibility/2006" xmlns:p14="http://schemas.microsoft.com/office/powerpoint/2010/main">
+          <mc:Choice Requires="p14">
             <p:contentPart p14:bwMode="auto" r:id="rId256">
               <p14:nvContentPartPr>
                 <p14:cNvPr id="2179" name="筆跡 2178">
@@ -17792,7 +17778,7 @@
               </p14:xfrm>
             </p:contentPart>
           </mc:Choice>
-          <mc:Fallback>
+          <mc:Fallback xmlns="">
             <p:pic>
               <p:nvPicPr>
                 <p:cNvPr id="2179" name="筆跡 2178">
@@ -17844,8 +17830,8 @@
             <a:chExt cx="267120" cy="318600"/>
           </a:xfrm>
         </p:grpSpPr>
-        <mc:AlternateContent xmlns:mc="http://schemas.openxmlformats.org/markup-compatibility/2006">
-          <mc:Choice xmlns:p14="http://schemas.microsoft.com/office/powerpoint/2010/main" Requires="p14">
+        <mc:AlternateContent xmlns:mc="http://schemas.openxmlformats.org/markup-compatibility/2006" xmlns:p14="http://schemas.microsoft.com/office/powerpoint/2010/main">
+          <mc:Choice Requires="p14">
             <p:contentPart p14:bwMode="auto" r:id="rId258">
               <p14:nvContentPartPr>
                 <p14:cNvPr id="2181" name="筆跡 2180">
@@ -17864,7 +17850,7 @@
               </p14:xfrm>
             </p:contentPart>
           </mc:Choice>
-          <mc:Fallback>
+          <mc:Fallback xmlns="">
             <p:pic>
               <p:nvPicPr>
                 <p:cNvPr id="2181" name="筆跡 2180">
@@ -17895,8 +17881,8 @@
             </p:pic>
           </mc:Fallback>
         </mc:AlternateContent>
-        <mc:AlternateContent xmlns:mc="http://schemas.openxmlformats.org/markup-compatibility/2006">
-          <mc:Choice xmlns:p14="http://schemas.microsoft.com/office/powerpoint/2010/main" Requires="p14">
+        <mc:AlternateContent xmlns:mc="http://schemas.openxmlformats.org/markup-compatibility/2006" xmlns:p14="http://schemas.microsoft.com/office/powerpoint/2010/main">
+          <mc:Choice Requires="p14">
             <p:contentPart p14:bwMode="auto" r:id="rId260">
               <p14:nvContentPartPr>
                 <p14:cNvPr id="2182" name="筆跡 2181">
@@ -17915,7 +17901,7 @@
               </p14:xfrm>
             </p:contentPart>
           </mc:Choice>
-          <mc:Fallback>
+          <mc:Fallback xmlns="">
             <p:pic>
               <p:nvPicPr>
                 <p:cNvPr id="2182" name="筆跡 2181">
@@ -17946,8 +17932,8 @@
             </p:pic>
           </mc:Fallback>
         </mc:AlternateContent>
-        <mc:AlternateContent xmlns:mc="http://schemas.openxmlformats.org/markup-compatibility/2006">
-          <mc:Choice xmlns:p14="http://schemas.microsoft.com/office/powerpoint/2010/main" Requires="p14">
+        <mc:AlternateContent xmlns:mc="http://schemas.openxmlformats.org/markup-compatibility/2006" xmlns:p14="http://schemas.microsoft.com/office/powerpoint/2010/main">
+          <mc:Choice Requires="p14">
             <p:contentPart p14:bwMode="auto" r:id="rId262">
               <p14:nvContentPartPr>
                 <p14:cNvPr id="2183" name="筆跡 2182">
@@ -17966,7 +17952,7 @@
               </p14:xfrm>
             </p:contentPart>
           </mc:Choice>
-          <mc:Fallback>
+          <mc:Fallback xmlns="">
             <p:pic>
               <p:nvPicPr>
                 <p:cNvPr id="2183" name="筆跡 2182">
@@ -18018,8 +18004,8 @@
             <a:chExt cx="8267400" cy="627120"/>
           </a:xfrm>
         </p:grpSpPr>
-        <mc:AlternateContent xmlns:mc="http://schemas.openxmlformats.org/markup-compatibility/2006">
-          <mc:Choice xmlns:p14="http://schemas.microsoft.com/office/powerpoint/2010/main" Requires="p14">
+        <mc:AlternateContent xmlns:mc="http://schemas.openxmlformats.org/markup-compatibility/2006" xmlns:p14="http://schemas.microsoft.com/office/powerpoint/2010/main">
+          <mc:Choice Requires="p14">
             <p:contentPart p14:bwMode="auto" r:id="rId264">
               <p14:nvContentPartPr>
                 <p14:cNvPr id="2185" name="筆跡 2184">
@@ -18038,7 +18024,7 @@
               </p14:xfrm>
             </p:contentPart>
           </mc:Choice>
-          <mc:Fallback>
+          <mc:Fallback xmlns="">
             <p:pic>
               <p:nvPicPr>
                 <p:cNvPr id="2185" name="筆跡 2184">
@@ -18069,8 +18055,8 @@
             </p:pic>
           </mc:Fallback>
         </mc:AlternateContent>
-        <mc:AlternateContent xmlns:mc="http://schemas.openxmlformats.org/markup-compatibility/2006">
-          <mc:Choice xmlns:p14="http://schemas.microsoft.com/office/powerpoint/2010/main" Requires="p14">
+        <mc:AlternateContent xmlns:mc="http://schemas.openxmlformats.org/markup-compatibility/2006" xmlns:p14="http://schemas.microsoft.com/office/powerpoint/2010/main">
+          <mc:Choice Requires="p14">
             <p:contentPart p14:bwMode="auto" r:id="rId266">
               <p14:nvContentPartPr>
                 <p14:cNvPr id="2186" name="筆跡 2185">
@@ -18089,7 +18075,7 @@
               </p14:xfrm>
             </p:contentPart>
           </mc:Choice>
-          <mc:Fallback>
+          <mc:Fallback xmlns="">
             <p:pic>
               <p:nvPicPr>
                 <p:cNvPr id="2186" name="筆跡 2185">
@@ -18120,8 +18106,8 @@
             </p:pic>
           </mc:Fallback>
         </mc:AlternateContent>
-        <mc:AlternateContent xmlns:mc="http://schemas.openxmlformats.org/markup-compatibility/2006">
-          <mc:Choice xmlns:p14="http://schemas.microsoft.com/office/powerpoint/2010/main" Requires="p14">
+        <mc:AlternateContent xmlns:mc="http://schemas.openxmlformats.org/markup-compatibility/2006" xmlns:p14="http://schemas.microsoft.com/office/powerpoint/2010/main">
+          <mc:Choice Requires="p14">
             <p:contentPart p14:bwMode="auto" r:id="rId268">
               <p14:nvContentPartPr>
                 <p14:cNvPr id="2187" name="筆跡 2186">
@@ -18140,7 +18126,7 @@
               </p14:xfrm>
             </p:contentPart>
           </mc:Choice>
-          <mc:Fallback>
+          <mc:Fallback xmlns="">
             <p:pic>
               <p:nvPicPr>
                 <p:cNvPr id="2187" name="筆跡 2186">
@@ -18172,8 +18158,8 @@
           </mc:Fallback>
         </mc:AlternateContent>
       </p:grpSp>
-      <mc:AlternateContent xmlns:mc="http://schemas.openxmlformats.org/markup-compatibility/2006">
-        <mc:Choice xmlns:p14="http://schemas.microsoft.com/office/powerpoint/2010/main" Requires="p14">
+      <mc:AlternateContent xmlns:mc="http://schemas.openxmlformats.org/markup-compatibility/2006" xmlns:p14="http://schemas.microsoft.com/office/powerpoint/2010/main">
+        <mc:Choice Requires="p14">
           <p:contentPart p14:bwMode="auto" r:id="rId270">
             <p14:nvContentPartPr>
               <p14:cNvPr id="2189" name="筆跡 2188">
@@ -18192,7 +18178,7 @@
             </p14:xfrm>
           </p:contentPart>
         </mc:Choice>
-        <mc:Fallback>
+        <mc:Fallback xmlns="">
           <p:pic>
             <p:nvPicPr>
               <p:cNvPr id="2189" name="筆跡 2188">
@@ -18243,8 +18229,8 @@
             <a:chExt cx="654120" cy="371880"/>
           </a:xfrm>
         </p:grpSpPr>
-        <mc:AlternateContent xmlns:mc="http://schemas.openxmlformats.org/markup-compatibility/2006">
-          <mc:Choice xmlns:p14="http://schemas.microsoft.com/office/powerpoint/2010/main" Requires="p14">
+        <mc:AlternateContent xmlns:mc="http://schemas.openxmlformats.org/markup-compatibility/2006" xmlns:p14="http://schemas.microsoft.com/office/powerpoint/2010/main">
+          <mc:Choice Requires="p14">
             <p:contentPart p14:bwMode="auto" r:id="rId272">
               <p14:nvContentPartPr>
                 <p14:cNvPr id="2192" name="筆跡 2191">
@@ -18263,7 +18249,7 @@
               </p14:xfrm>
             </p:contentPart>
           </mc:Choice>
-          <mc:Fallback>
+          <mc:Fallback xmlns="">
             <p:pic>
               <p:nvPicPr>
                 <p:cNvPr id="2192" name="筆跡 2191">
@@ -18294,8 +18280,8 @@
             </p:pic>
           </mc:Fallback>
         </mc:AlternateContent>
-        <mc:AlternateContent xmlns:mc="http://schemas.openxmlformats.org/markup-compatibility/2006">
-          <mc:Choice xmlns:p14="http://schemas.microsoft.com/office/powerpoint/2010/main" Requires="p14">
+        <mc:AlternateContent xmlns:mc="http://schemas.openxmlformats.org/markup-compatibility/2006" xmlns:p14="http://schemas.microsoft.com/office/powerpoint/2010/main">
+          <mc:Choice Requires="p14">
             <p:contentPart p14:bwMode="auto" r:id="rId274">
               <p14:nvContentPartPr>
                 <p14:cNvPr id="2193" name="筆跡 2192">
@@ -18314,7 +18300,7 @@
               </p14:xfrm>
             </p:contentPart>
           </mc:Choice>
-          <mc:Fallback>
+          <mc:Fallback xmlns="">
             <p:pic>
               <p:nvPicPr>
                 <p:cNvPr id="2193" name="筆跡 2192">
@@ -18345,8 +18331,8 @@
             </p:pic>
           </mc:Fallback>
         </mc:AlternateContent>
-        <mc:AlternateContent xmlns:mc="http://schemas.openxmlformats.org/markup-compatibility/2006">
-          <mc:Choice xmlns:p14="http://schemas.microsoft.com/office/powerpoint/2010/main" Requires="p14">
+        <mc:AlternateContent xmlns:mc="http://schemas.openxmlformats.org/markup-compatibility/2006" xmlns:p14="http://schemas.microsoft.com/office/powerpoint/2010/main">
+          <mc:Choice Requires="p14">
             <p:contentPart p14:bwMode="auto" r:id="rId276">
               <p14:nvContentPartPr>
                 <p14:cNvPr id="2194" name="筆跡 2193">
@@ -18365,7 +18351,7 @@
               </p14:xfrm>
             </p:contentPart>
           </mc:Choice>
-          <mc:Fallback>
+          <mc:Fallback xmlns="">
             <p:pic>
               <p:nvPicPr>
                 <p:cNvPr id="2194" name="筆跡 2193">
@@ -18396,8 +18382,8 @@
             </p:pic>
           </mc:Fallback>
         </mc:AlternateContent>
-        <mc:AlternateContent xmlns:mc="http://schemas.openxmlformats.org/markup-compatibility/2006">
-          <mc:Choice xmlns:p14="http://schemas.microsoft.com/office/powerpoint/2010/main" Requires="p14">
+        <mc:AlternateContent xmlns:mc="http://schemas.openxmlformats.org/markup-compatibility/2006" xmlns:p14="http://schemas.microsoft.com/office/powerpoint/2010/main">
+          <mc:Choice Requires="p14">
             <p:contentPart p14:bwMode="auto" r:id="rId278">
               <p14:nvContentPartPr>
                 <p14:cNvPr id="2197" name="筆跡 2196">
@@ -18416,7 +18402,7 @@
               </p14:xfrm>
             </p:contentPart>
           </mc:Choice>
-          <mc:Fallback>
+          <mc:Fallback xmlns="">
             <p:pic>
               <p:nvPicPr>
                 <p:cNvPr id="2197" name="筆跡 2196">
@@ -18447,8 +18433,8 @@
             </p:pic>
           </mc:Fallback>
         </mc:AlternateContent>
-        <mc:AlternateContent xmlns:mc="http://schemas.openxmlformats.org/markup-compatibility/2006">
-          <mc:Choice xmlns:p14="http://schemas.microsoft.com/office/powerpoint/2010/main" Requires="p14">
+        <mc:AlternateContent xmlns:mc="http://schemas.openxmlformats.org/markup-compatibility/2006" xmlns:p14="http://schemas.microsoft.com/office/powerpoint/2010/main">
+          <mc:Choice Requires="p14">
             <p:contentPart p14:bwMode="auto" r:id="rId280">
               <p14:nvContentPartPr>
                 <p14:cNvPr id="2199" name="筆跡 2198">
@@ -18467,7 +18453,7 @@
               </p14:xfrm>
             </p:contentPart>
           </mc:Choice>
-          <mc:Fallback>
+          <mc:Fallback xmlns="">
             <p:pic>
               <p:nvPicPr>
                 <p:cNvPr id="2199" name="筆跡 2198">
@@ -18498,8 +18484,8 @@
             </p:pic>
           </mc:Fallback>
         </mc:AlternateContent>
-        <mc:AlternateContent xmlns:mc="http://schemas.openxmlformats.org/markup-compatibility/2006">
-          <mc:Choice xmlns:p14="http://schemas.microsoft.com/office/powerpoint/2010/main" Requires="p14">
+        <mc:AlternateContent xmlns:mc="http://schemas.openxmlformats.org/markup-compatibility/2006" xmlns:p14="http://schemas.microsoft.com/office/powerpoint/2010/main">
+          <mc:Choice Requires="p14">
             <p:contentPart p14:bwMode="auto" r:id="rId282">
               <p14:nvContentPartPr>
                 <p14:cNvPr id="2200" name="筆跡 2199">
@@ -18518,7 +18504,7 @@
               </p14:xfrm>
             </p:contentPart>
           </mc:Choice>
-          <mc:Fallback>
+          <mc:Fallback xmlns="">
             <p:pic>
               <p:nvPicPr>
                 <p:cNvPr id="2200" name="筆跡 2199">
@@ -18549,8 +18535,8 @@
             </p:pic>
           </mc:Fallback>
         </mc:AlternateContent>
-        <mc:AlternateContent xmlns:mc="http://schemas.openxmlformats.org/markup-compatibility/2006">
-          <mc:Choice xmlns:p14="http://schemas.microsoft.com/office/powerpoint/2010/main" Requires="p14">
+        <mc:AlternateContent xmlns:mc="http://schemas.openxmlformats.org/markup-compatibility/2006" xmlns:p14="http://schemas.microsoft.com/office/powerpoint/2010/main">
+          <mc:Choice Requires="p14">
             <p:contentPart p14:bwMode="auto" r:id="rId283">
               <p14:nvContentPartPr>
                 <p14:cNvPr id="2201" name="筆跡 2200">
@@ -18569,7 +18555,7 @@
               </p14:xfrm>
             </p:contentPart>
           </mc:Choice>
-          <mc:Fallback>
+          <mc:Fallback xmlns="">
             <p:pic>
               <p:nvPicPr>
                 <p:cNvPr id="2201" name="筆跡 2200">
@@ -18601,8 +18587,8 @@
           </mc:Fallback>
         </mc:AlternateContent>
       </p:grpSp>
-      <mc:AlternateContent xmlns:mc="http://schemas.openxmlformats.org/markup-compatibility/2006">
-        <mc:Choice xmlns:p14="http://schemas.microsoft.com/office/powerpoint/2010/main" Requires="p14">
+      <mc:AlternateContent xmlns:mc="http://schemas.openxmlformats.org/markup-compatibility/2006" xmlns:p14="http://schemas.microsoft.com/office/powerpoint/2010/main">
+        <mc:Choice Requires="p14">
           <p:contentPart p14:bwMode="auto" r:id="rId285">
             <p14:nvContentPartPr>
               <p14:cNvPr id="2203" name="筆跡 2202">
@@ -18621,7 +18607,7 @@
             </p14:xfrm>
           </p:contentPart>
         </mc:Choice>
-        <mc:Fallback>
+        <mc:Fallback xmlns="">
           <p:pic>
             <p:nvPicPr>
               <p:cNvPr id="2203" name="筆跡 2202">
@@ -18672,8 +18658,8 @@
             <a:chExt cx="8276400" cy="657360"/>
           </a:xfrm>
         </p:grpSpPr>
-        <mc:AlternateContent xmlns:mc="http://schemas.openxmlformats.org/markup-compatibility/2006">
-          <mc:Choice xmlns:p14="http://schemas.microsoft.com/office/powerpoint/2010/main" Requires="p14">
+        <mc:AlternateContent xmlns:mc="http://schemas.openxmlformats.org/markup-compatibility/2006" xmlns:p14="http://schemas.microsoft.com/office/powerpoint/2010/main">
+          <mc:Choice Requires="p14">
             <p:contentPart p14:bwMode="auto" r:id="rId287">
               <p14:nvContentPartPr>
                 <p14:cNvPr id="2204" name="筆跡 2203">
@@ -18692,7 +18678,7 @@
               </p14:xfrm>
             </p:contentPart>
           </mc:Choice>
-          <mc:Fallback>
+          <mc:Fallback xmlns="">
             <p:pic>
               <p:nvPicPr>
                 <p:cNvPr id="2204" name="筆跡 2203">
@@ -18723,8 +18709,8 @@
             </p:pic>
           </mc:Fallback>
         </mc:AlternateContent>
-        <mc:AlternateContent xmlns:mc="http://schemas.openxmlformats.org/markup-compatibility/2006">
-          <mc:Choice xmlns:p14="http://schemas.microsoft.com/office/powerpoint/2010/main" Requires="p14">
+        <mc:AlternateContent xmlns:mc="http://schemas.openxmlformats.org/markup-compatibility/2006" xmlns:p14="http://schemas.microsoft.com/office/powerpoint/2010/main">
+          <mc:Choice Requires="p14">
             <p:contentPart p14:bwMode="auto" r:id="rId289">
               <p14:nvContentPartPr>
                 <p14:cNvPr id="2205" name="筆跡 2204">
@@ -18743,7 +18729,7 @@
               </p14:xfrm>
             </p:contentPart>
           </mc:Choice>
-          <mc:Fallback>
+          <mc:Fallback xmlns="">
             <p:pic>
               <p:nvPicPr>
                 <p:cNvPr id="2205" name="筆跡 2204">
@@ -18774,8 +18760,8 @@
             </p:pic>
           </mc:Fallback>
         </mc:AlternateContent>
-        <mc:AlternateContent xmlns:mc="http://schemas.openxmlformats.org/markup-compatibility/2006">
-          <mc:Choice xmlns:p14="http://schemas.microsoft.com/office/powerpoint/2010/main" Requires="p14">
+        <mc:AlternateContent xmlns:mc="http://schemas.openxmlformats.org/markup-compatibility/2006" xmlns:p14="http://schemas.microsoft.com/office/powerpoint/2010/main">
+          <mc:Choice Requires="p14">
             <p:contentPart p14:bwMode="auto" r:id="rId291">
               <p14:nvContentPartPr>
                 <p14:cNvPr id="2206" name="筆跡 2205">
@@ -18794,7 +18780,7 @@
               </p14:xfrm>
             </p:contentPart>
           </mc:Choice>
-          <mc:Fallback>
+          <mc:Fallback xmlns="">
             <p:pic>
               <p:nvPicPr>
                 <p:cNvPr id="2206" name="筆跡 2205">
